--- a/ppt/html-css_ppt/GIT_github.pptx
+++ b/ppt/html-css_ppt/GIT_github.pptx
@@ -24,10 +24,10 @@
     <p:sldId id="288" r:id="rId15"/>
     <p:sldId id="274" r:id="rId16"/>
     <p:sldId id="280" r:id="rId17"/>
-    <p:sldId id="282" r:id="rId18"/>
-    <p:sldId id="290" r:id="rId19"/>
-    <p:sldId id="292" r:id="rId20"/>
-    <p:sldId id="293" r:id="rId21"/>
+    <p:sldId id="292" r:id="rId18"/>
+    <p:sldId id="293" r:id="rId19"/>
+    <p:sldId id="298" r:id="rId20"/>
+    <p:sldId id="299" r:id="rId21"/>
     <p:sldId id="296" r:id="rId22"/>
   </p:sldIdLst>
   <p:sldSz cx="9906000" cy="6858000" type="A4"/>
@@ -129,7 +129,7 @@
   </p:defaultTextStyle>
   <p:extLst>
     <p:ext uri="{EFAFB233-063F-42B5-8137-9DF3F51BA10A}">
-      <p15:sldGuideLst xmlns="" xmlns:p15="http://schemas.microsoft.com/office/powerpoint/2012/main">
+      <p15:sldGuideLst xmlns:p15="http://schemas.microsoft.com/office/powerpoint/2012/main">
         <p15:guide id="1" orient="horz" pos="2160">
           <p15:clr>
             <a:srgbClr val="A4A3A4"/>
@@ -228,7 +228,7 @@
           <a:p>
             <a:fld id="{7665CDAC-D627-4E87-877A-1B781DD4CADC}" type="datetimeFigureOut">
               <a:rPr lang="ko-KR" altLang="en-US" smtClean="0"/>
-              <a:t>2022-05-11</a:t>
+              <a:t>2023-06-20</a:t>
             </a:fld>
             <a:endParaRPr lang="ko-KR" altLang="en-US"/>
           </a:p>
@@ -1410,7 +1410,7 @@
     </p:spTree>
     <p:extLst>
       <p:ext uri="{BB962C8B-B14F-4D97-AF65-F5344CB8AC3E}">
-        <p14:creationId xmlns:p14="http://schemas.microsoft.com/office/powerpoint/2010/main" val="1840086554"/>
+        <p14:creationId xmlns:p14="http://schemas.microsoft.com/office/powerpoint/2010/main" val="1828450458"/>
       </p:ext>
     </p:extLst>
   </p:cSld>
@@ -1578,7 +1578,7 @@
     </p:spTree>
     <p:extLst>
       <p:ext uri="{BB962C8B-B14F-4D97-AF65-F5344CB8AC3E}">
-        <p14:creationId xmlns:p14="http://schemas.microsoft.com/office/powerpoint/2010/main" val="1840086554"/>
+        <p14:creationId xmlns:p14="http://schemas.microsoft.com/office/powerpoint/2010/main" val="757050041"/>
       </p:ext>
     </p:extLst>
   </p:cSld>
@@ -2446,7 +2446,7 @@
           <a:p>
             <a:fld id="{F4AC81B4-D91A-4578-85B3-829E63FCFE17}" type="datetime1">
               <a:rPr lang="ko-KR" altLang="en-US" smtClean="0"/>
-              <a:t>2022-05-11</a:t>
+              <a:t>2023-06-20</a:t>
             </a:fld>
             <a:endParaRPr lang="ko-KR" altLang="en-US"/>
           </a:p>
@@ -2821,7 +2821,7 @@
           <a:p>
             <a:fld id="{F5B77542-37E5-48F2-BAE7-80CC6B0EB6A3}" type="datetime1">
               <a:rPr lang="ko-KR" altLang="en-US" smtClean="0"/>
-              <a:t>2022-05-11</a:t>
+              <a:t>2023-06-20</a:t>
             </a:fld>
             <a:endParaRPr lang="ko-KR" altLang="en-US"/>
           </a:p>
@@ -3001,7 +3001,7 @@
           <a:p>
             <a:fld id="{227CF174-B5AC-4A98-B673-0BE8126D3F27}" type="datetime1">
               <a:rPr lang="ko-KR" altLang="en-US" smtClean="0"/>
-              <a:t>2022-05-11</a:t>
+              <a:t>2023-06-20</a:t>
             </a:fld>
             <a:endParaRPr lang="ko-KR" altLang="en-US"/>
           </a:p>
@@ -3175,7 +3175,7 @@
           <a:p>
             <a:fld id="{E20FDEC8-1339-42E8-9704-2977280C2FD3}" type="datetime1">
               <a:rPr lang="ko-KR" altLang="en-US" smtClean="0"/>
-              <a:t>2022-05-11</a:t>
+              <a:t>2023-06-20</a:t>
             </a:fld>
             <a:endParaRPr lang="ko-KR" altLang="en-US"/>
           </a:p>
@@ -3421,7 +3421,7 @@
           <a:p>
             <a:fld id="{4D18DC76-A282-4817-B790-197F054E1215}" type="datetime1">
               <a:rPr lang="ko-KR" altLang="en-US" smtClean="0"/>
-              <a:t>2022-05-11</a:t>
+              <a:t>2023-06-20</a:t>
             </a:fld>
             <a:endParaRPr lang="ko-KR" altLang="en-US"/>
           </a:p>
@@ -3709,7 +3709,7 @@
           <a:p>
             <a:fld id="{6680AA6C-13D8-43E4-90F0-E6C88A2B9F16}" type="datetime1">
               <a:rPr lang="ko-KR" altLang="en-US" smtClean="0"/>
-              <a:t>2022-05-11</a:t>
+              <a:t>2023-06-20</a:t>
             </a:fld>
             <a:endParaRPr lang="ko-KR" altLang="en-US"/>
           </a:p>
@@ -4131,7 +4131,7 @@
           <a:p>
             <a:fld id="{3EF5B03B-20CC-436E-8601-C933C6C1F4A6}" type="datetime1">
               <a:rPr lang="ko-KR" altLang="en-US" smtClean="0"/>
-              <a:t>2022-05-11</a:t>
+              <a:t>2023-06-20</a:t>
             </a:fld>
             <a:endParaRPr lang="ko-KR" altLang="en-US"/>
           </a:p>
@@ -4249,7 +4249,7 @@
           <a:p>
             <a:fld id="{87B5A15D-8B08-482F-AB47-E416EC355EB6}" type="datetime1">
               <a:rPr lang="ko-KR" altLang="en-US" smtClean="0"/>
-              <a:t>2022-05-11</a:t>
+              <a:t>2023-06-20</a:t>
             </a:fld>
             <a:endParaRPr lang="ko-KR" altLang="en-US"/>
           </a:p>
@@ -4344,7 +4344,7 @@
           <a:p>
             <a:fld id="{A877D7F8-7B64-44F8-A411-CBD22F28CBFF}" type="datetime1">
               <a:rPr lang="ko-KR" altLang="en-US" smtClean="0"/>
-              <a:t>2022-05-11</a:t>
+              <a:t>2023-06-20</a:t>
             </a:fld>
             <a:endParaRPr lang="ko-KR" altLang="en-US"/>
           </a:p>
@@ -4621,7 +4621,7 @@
           <a:p>
             <a:fld id="{E12DBD9B-2BB6-4D1F-BCB4-1E48829C93C3}" type="datetime1">
               <a:rPr lang="ko-KR" altLang="en-US" smtClean="0"/>
-              <a:t>2022-05-11</a:t>
+              <a:t>2023-06-20</a:t>
             </a:fld>
             <a:endParaRPr lang="ko-KR" altLang="en-US"/>
           </a:p>
@@ -4874,7 +4874,7 @@
           <a:p>
             <a:fld id="{17564C48-0CD7-40EB-BE64-BBF4DB8C56AF}" type="datetime1">
               <a:rPr lang="ko-KR" altLang="en-US" smtClean="0"/>
-              <a:t>2022-05-11</a:t>
+              <a:t>2023-06-20</a:t>
             </a:fld>
             <a:endParaRPr lang="ko-KR" altLang="en-US"/>
           </a:p>
@@ -5054,7 +5054,7 @@
           <a:p>
             <a:fld id="{C116BCB4-B68B-4638-8167-F4BDC0A30DA1}" type="datetime1">
               <a:rPr lang="ko-KR" altLang="en-US" smtClean="0"/>
-              <a:t>2022-05-11</a:t>
+              <a:t>2023-06-20</a:t>
             </a:fld>
             <a:endParaRPr lang="ko-KR" altLang="en-US"/>
           </a:p>
@@ -5865,7 +5865,7 @@
           <p:cNvPr id="13" name="내용 개체 틀 2">
             <a:extLst>
               <a:ext uri="{FF2B5EF4-FFF2-40B4-BE49-F238E27FC236}">
-                <a16:creationId xmlns="" xmlns:a16="http://schemas.microsoft.com/office/drawing/2014/main" id="{98AF3A4E-7D90-4241-89FE-799D6F9D5A94}"/>
+                <a16:creationId xmlns:a16="http://schemas.microsoft.com/office/drawing/2014/main" id="{98AF3A4E-7D90-4241-89FE-799D6F9D5A94}"/>
               </a:ext>
             </a:extLst>
           </p:cNvPr>
@@ -6191,7 +6191,7 @@
           <p:cNvPr id="13" name="내용 개체 틀 2">
             <a:extLst>
               <a:ext uri="{FF2B5EF4-FFF2-40B4-BE49-F238E27FC236}">
-                <a16:creationId xmlns="" xmlns:a16="http://schemas.microsoft.com/office/drawing/2014/main" id="{98AF3A4E-7D90-4241-89FE-799D6F9D5A94}"/>
+                <a16:creationId xmlns:a16="http://schemas.microsoft.com/office/drawing/2014/main" id="{98AF3A4E-7D90-4241-89FE-799D6F9D5A94}"/>
               </a:ext>
             </a:extLst>
           </p:cNvPr>
@@ -6509,7 +6509,7 @@
           <p:cNvPr id="6" name="내용 개체 틀 2">
             <a:extLst>
               <a:ext uri="{FF2B5EF4-FFF2-40B4-BE49-F238E27FC236}">
-                <a16:creationId xmlns="" xmlns:a16="http://schemas.microsoft.com/office/drawing/2014/main" id="{98AF3A4E-7D90-4241-89FE-799D6F9D5A94}"/>
+                <a16:creationId xmlns:a16="http://schemas.microsoft.com/office/drawing/2014/main" id="{98AF3A4E-7D90-4241-89FE-799D6F9D5A94}"/>
               </a:ext>
             </a:extLst>
           </p:cNvPr>
@@ -6923,7 +6923,7 @@
           <p:cNvPr id="13" name="내용 개체 틀 2">
             <a:extLst>
               <a:ext uri="{FF2B5EF4-FFF2-40B4-BE49-F238E27FC236}">
-                <a16:creationId xmlns="" xmlns:a16="http://schemas.microsoft.com/office/drawing/2014/main" id="{98AF3A4E-7D90-4241-89FE-799D6F9D5A94}"/>
+                <a16:creationId xmlns:a16="http://schemas.microsoft.com/office/drawing/2014/main" id="{98AF3A4E-7D90-4241-89FE-799D6F9D5A94}"/>
               </a:ext>
             </a:extLst>
           </p:cNvPr>
@@ -7279,7 +7279,7 @@
           <p:cNvPr id="13" name="내용 개체 틀 2">
             <a:extLst>
               <a:ext uri="{FF2B5EF4-FFF2-40B4-BE49-F238E27FC236}">
-                <a16:creationId xmlns="" xmlns:a16="http://schemas.microsoft.com/office/drawing/2014/main" id="{98AF3A4E-7D90-4241-89FE-799D6F9D5A94}"/>
+                <a16:creationId xmlns:a16="http://schemas.microsoft.com/office/drawing/2014/main" id="{98AF3A4E-7D90-4241-89FE-799D6F9D5A94}"/>
               </a:ext>
             </a:extLst>
           </p:cNvPr>
@@ -7842,7 +7842,7 @@
           <p:cNvPr id="13" name="내용 개체 틀 2">
             <a:extLst>
               <a:ext uri="{FF2B5EF4-FFF2-40B4-BE49-F238E27FC236}">
-                <a16:creationId xmlns="" xmlns:a16="http://schemas.microsoft.com/office/drawing/2014/main" id="{98AF3A4E-7D90-4241-89FE-799D6F9D5A94}"/>
+                <a16:creationId xmlns:a16="http://schemas.microsoft.com/office/drawing/2014/main" id="{98AF3A4E-7D90-4241-89FE-799D6F9D5A94}"/>
               </a:ext>
             </a:extLst>
           </p:cNvPr>
@@ -8697,151 +8697,203 @@
               <a:t> </a:t>
             </a:r>
             <a:r>
-              <a:rPr lang="ko-KR" altLang="en-US" dirty="0" smtClean="0"/>
-              <a:t>새 </a:t>
-            </a:r>
-            <a:r>
-              <a:rPr lang="ko-KR" altLang="en-US" dirty="0" err="1" smtClean="0"/>
-              <a:t>브런치</a:t>
-            </a:r>
-            <a:r>
-              <a:rPr lang="ko-KR" altLang="en-US" dirty="0" smtClean="0"/>
-              <a:t> 만들기</a:t>
-            </a:r>
-            <a:endParaRPr lang="ko-KR" altLang="en-US" dirty="0"/>
-          </a:p>
-        </p:txBody>
-      </p:sp>
-      <p:sp>
-        <p:nvSpPr>
-          <p:cNvPr id="7" name="TextBox 6"/>
-          <p:cNvSpPr txBox="1"/>
+              <a:rPr lang="ko-KR" altLang="en-US" dirty="0"/>
+              <a:t>깃 협업하기</a:t>
+            </a:r>
+          </a:p>
+        </p:txBody>
+      </p:sp>
+      <p:sp>
+        <p:nvSpPr>
+          <p:cNvPr id="13" name="내용 개체 틀 2">
+            <a:extLst>
+              <a:ext uri="{FF2B5EF4-FFF2-40B4-BE49-F238E27FC236}">
+                <a16:creationId xmlns:a16="http://schemas.microsoft.com/office/drawing/2014/main" id="{98AF3A4E-7D90-4241-89FE-799D6F9D5A94}"/>
+              </a:ext>
+            </a:extLst>
+          </p:cNvPr>
+          <p:cNvSpPr txBox="1">
+            <a:spLocks/>
+          </p:cNvSpPr>
           <p:nvPr/>
         </p:nvSpPr>
         <p:spPr>
           <a:xfrm>
-            <a:off x="1280593" y="2276872"/>
-            <a:ext cx="4924872" cy="1754326"/>
-          </a:xfrm>
-          <a:prstGeom prst="rect">
-            <a:avLst/>
-          </a:prstGeom>
-          <a:noFill/>
-          <a:ln>
-            <a:solidFill>
-              <a:schemeClr val="bg1">
-                <a:lumMod val="85000"/>
-              </a:schemeClr>
-            </a:solidFill>
-          </a:ln>
-        </p:spPr>
-        <p:txBody>
-          <a:bodyPr wrap="square" rtlCol="0">
-            <a:spAutoFit/>
-          </a:bodyPr>
-          <a:lstStyle/>
-          <a:p>
-            <a:pPr>
-              <a:lnSpc>
-                <a:spcPct val="150000"/>
-              </a:lnSpc>
-            </a:pPr>
-            <a:r>
-              <a:rPr lang="en-US" altLang="ko-KR" dirty="0" smtClean="0"/>
-              <a:t>c</a:t>
-            </a:r>
-            <a:r>
-              <a:rPr lang="en-US" altLang="ko-KR" dirty="0"/>
-              <a:t>:\gitTest&gt;</a:t>
-            </a:r>
-            <a:r>
-              <a:rPr lang="en-US" altLang="ko-KR" b="1" dirty="0"/>
-              <a:t>git branch </a:t>
-            </a:r>
-            <a:r>
-              <a:rPr lang="en-US" altLang="ko-KR" b="1" dirty="0" err="1" smtClean="0"/>
-              <a:t>blogA</a:t>
-            </a:r>
-            <a:endParaRPr lang="en-US" altLang="ko-KR" b="1" dirty="0" smtClean="0"/>
-          </a:p>
-          <a:p>
-            <a:pPr>
-              <a:lnSpc>
-                <a:spcPct val="150000"/>
-              </a:lnSpc>
-            </a:pPr>
-            <a:r>
-              <a:rPr lang="en-US" altLang="ko-KR" dirty="0"/>
-              <a:t>c</a:t>
-            </a:r>
-            <a:r>
-              <a:rPr lang="en-US" altLang="ko-KR" dirty="0" smtClean="0"/>
-              <a:t>:\gitTest&gt;</a:t>
-            </a:r>
-            <a:r>
-              <a:rPr lang="en-US" altLang="ko-KR" b="1" dirty="0" smtClean="0"/>
-              <a:t>git branch</a:t>
-            </a:r>
-          </a:p>
-          <a:p>
-            <a:pPr>
-              <a:lnSpc>
-                <a:spcPct val="150000"/>
-              </a:lnSpc>
-            </a:pPr>
-            <a:r>
-              <a:rPr lang="en-US" altLang="ko-KR" b="1" dirty="0" smtClean="0">
-                <a:solidFill>
-                  <a:srgbClr val="00B050"/>
-                </a:solidFill>
-              </a:rPr>
-              <a:t>*master</a:t>
-            </a:r>
-          </a:p>
-          <a:p>
-            <a:pPr>
-              <a:lnSpc>
-                <a:spcPct val="150000"/>
-              </a:lnSpc>
-            </a:pPr>
-            <a:r>
-              <a:rPr lang="en-US" altLang="ko-KR" b="1" dirty="0">
-                <a:solidFill>
-                  <a:srgbClr val="00B050"/>
-                </a:solidFill>
-              </a:rPr>
-              <a:t> </a:t>
-            </a:r>
-            <a:r>
-              <a:rPr lang="en-US" altLang="ko-KR" b="1" dirty="0" err="1" smtClean="0"/>
-              <a:t>blogA</a:t>
-            </a:r>
-            <a:endParaRPr lang="en-US" altLang="ko-KR" b="1" dirty="0" smtClean="0"/>
-          </a:p>
-        </p:txBody>
-      </p:sp>
-      <p:sp>
-        <p:nvSpPr>
-          <p:cNvPr id="4" name="직사각형 3"/>
-          <p:cNvSpPr/>
-          <p:nvPr/>
-        </p:nvSpPr>
-        <p:spPr>
-          <a:xfrm>
-            <a:off x="848544" y="1052736"/>
-            <a:ext cx="5040559" cy="494494"/>
+            <a:off x="804065" y="1052736"/>
+            <a:ext cx="3428855" cy="504056"/>
           </a:xfrm>
           <a:prstGeom prst="rect">
             <a:avLst/>
           </a:prstGeom>
         </p:spPr>
         <p:txBody>
-          <a:bodyPr wrap="square">
-            <a:spAutoFit/>
-          </a:bodyPr>
-          <a:lstStyle/>
-          <a:p>
-            <a:pPr marL="285750" indent="-285750">
+          <a:bodyPr/>
+          <a:lstStyle>
+            <a:lvl1pPr marL="228600" indent="-228600" algn="l" defTabSz="914400" rtl="0" eaLnBrk="1" latinLnBrk="1" hangingPunct="1">
+              <a:lnSpc>
+                <a:spcPct val="90000"/>
+              </a:lnSpc>
+              <a:spcBef>
+                <a:spcPts val="1000"/>
+              </a:spcBef>
+              <a:buFont typeface="Arial" panose="020B0604020202020204" pitchFamily="34" charset="0"/>
+              <a:buChar char="•"/>
+              <a:defRPr sz="2800" kern="1200">
+                <a:solidFill>
+                  <a:schemeClr val="tx1"/>
+                </a:solidFill>
+                <a:latin typeface="+mn-lt"/>
+                <a:ea typeface="+mn-ea"/>
+                <a:cs typeface="+mn-cs"/>
+              </a:defRPr>
+            </a:lvl1pPr>
+            <a:lvl2pPr marL="685800" indent="-228600" algn="l" defTabSz="914400" rtl="0" eaLnBrk="1" latinLnBrk="1" hangingPunct="1">
+              <a:lnSpc>
+                <a:spcPct val="90000"/>
+              </a:lnSpc>
+              <a:spcBef>
+                <a:spcPts val="500"/>
+              </a:spcBef>
+              <a:buFont typeface="Arial" panose="020B0604020202020204" pitchFamily="34" charset="0"/>
+              <a:buChar char="•"/>
+              <a:defRPr sz="2400" kern="1200">
+                <a:solidFill>
+                  <a:schemeClr val="tx1"/>
+                </a:solidFill>
+                <a:latin typeface="+mn-lt"/>
+                <a:ea typeface="+mn-ea"/>
+                <a:cs typeface="+mn-cs"/>
+              </a:defRPr>
+            </a:lvl2pPr>
+            <a:lvl3pPr marL="1143000" indent="-228600" algn="l" defTabSz="914400" rtl="0" eaLnBrk="1" latinLnBrk="1" hangingPunct="1">
+              <a:lnSpc>
+                <a:spcPct val="90000"/>
+              </a:lnSpc>
+              <a:spcBef>
+                <a:spcPts val="500"/>
+              </a:spcBef>
+              <a:buFont typeface="Arial" panose="020B0604020202020204" pitchFamily="34" charset="0"/>
+              <a:buChar char="•"/>
+              <a:defRPr sz="2000" kern="1200">
+                <a:solidFill>
+                  <a:schemeClr val="tx1"/>
+                </a:solidFill>
+                <a:latin typeface="+mn-lt"/>
+                <a:ea typeface="+mn-ea"/>
+                <a:cs typeface="+mn-cs"/>
+              </a:defRPr>
+            </a:lvl3pPr>
+            <a:lvl4pPr marL="1600200" indent="-228600" algn="l" defTabSz="914400" rtl="0" eaLnBrk="1" latinLnBrk="1" hangingPunct="1">
+              <a:lnSpc>
+                <a:spcPct val="90000"/>
+              </a:lnSpc>
+              <a:spcBef>
+                <a:spcPts val="500"/>
+              </a:spcBef>
+              <a:buFont typeface="Arial" panose="020B0604020202020204" pitchFamily="34" charset="0"/>
+              <a:buChar char="•"/>
+              <a:defRPr sz="1800" kern="1200">
+                <a:solidFill>
+                  <a:schemeClr val="tx1"/>
+                </a:solidFill>
+                <a:latin typeface="+mn-lt"/>
+                <a:ea typeface="+mn-ea"/>
+                <a:cs typeface="+mn-cs"/>
+              </a:defRPr>
+            </a:lvl4pPr>
+            <a:lvl5pPr marL="2057400" indent="-228600" algn="l" defTabSz="914400" rtl="0" eaLnBrk="1" latinLnBrk="1" hangingPunct="1">
+              <a:lnSpc>
+                <a:spcPct val="90000"/>
+              </a:lnSpc>
+              <a:spcBef>
+                <a:spcPts val="500"/>
+              </a:spcBef>
+              <a:buFont typeface="Arial" panose="020B0604020202020204" pitchFamily="34" charset="0"/>
+              <a:buChar char="•"/>
+              <a:defRPr sz="1800" kern="1200">
+                <a:solidFill>
+                  <a:schemeClr val="tx1"/>
+                </a:solidFill>
+                <a:latin typeface="+mn-lt"/>
+                <a:ea typeface="+mn-ea"/>
+                <a:cs typeface="+mn-cs"/>
+              </a:defRPr>
+            </a:lvl5pPr>
+            <a:lvl6pPr marL="2514600" indent="-228600" algn="l" defTabSz="914400" rtl="0" eaLnBrk="1" latinLnBrk="1" hangingPunct="1">
+              <a:lnSpc>
+                <a:spcPct val="90000"/>
+              </a:lnSpc>
+              <a:spcBef>
+                <a:spcPts val="500"/>
+              </a:spcBef>
+              <a:buFont typeface="Arial" panose="020B0604020202020204" pitchFamily="34" charset="0"/>
+              <a:buChar char="•"/>
+              <a:defRPr sz="1800" kern="1200">
+                <a:solidFill>
+                  <a:schemeClr val="tx1"/>
+                </a:solidFill>
+                <a:latin typeface="+mn-lt"/>
+                <a:ea typeface="+mn-ea"/>
+                <a:cs typeface="+mn-cs"/>
+              </a:defRPr>
+            </a:lvl6pPr>
+            <a:lvl7pPr marL="2971800" indent="-228600" algn="l" defTabSz="914400" rtl="0" eaLnBrk="1" latinLnBrk="1" hangingPunct="1">
+              <a:lnSpc>
+                <a:spcPct val="90000"/>
+              </a:lnSpc>
+              <a:spcBef>
+                <a:spcPts val="500"/>
+              </a:spcBef>
+              <a:buFont typeface="Arial" panose="020B0604020202020204" pitchFamily="34" charset="0"/>
+              <a:buChar char="•"/>
+              <a:defRPr sz="1800" kern="1200">
+                <a:solidFill>
+                  <a:schemeClr val="tx1"/>
+                </a:solidFill>
+                <a:latin typeface="+mn-lt"/>
+                <a:ea typeface="+mn-ea"/>
+                <a:cs typeface="+mn-cs"/>
+              </a:defRPr>
+            </a:lvl7pPr>
+            <a:lvl8pPr marL="3429000" indent="-228600" algn="l" defTabSz="914400" rtl="0" eaLnBrk="1" latinLnBrk="1" hangingPunct="1">
+              <a:lnSpc>
+                <a:spcPct val="90000"/>
+              </a:lnSpc>
+              <a:spcBef>
+                <a:spcPts val="500"/>
+              </a:spcBef>
+              <a:buFont typeface="Arial" panose="020B0604020202020204" pitchFamily="34" charset="0"/>
+              <a:buChar char="•"/>
+              <a:defRPr sz="1800" kern="1200">
+                <a:solidFill>
+                  <a:schemeClr val="tx1"/>
+                </a:solidFill>
+                <a:latin typeface="+mn-lt"/>
+                <a:ea typeface="+mn-ea"/>
+                <a:cs typeface="+mn-cs"/>
+              </a:defRPr>
+            </a:lvl8pPr>
+            <a:lvl9pPr marL="3886200" indent="-228600" algn="l" defTabSz="914400" rtl="0" eaLnBrk="1" latinLnBrk="1" hangingPunct="1">
+              <a:lnSpc>
+                <a:spcPct val="90000"/>
+              </a:lnSpc>
+              <a:spcBef>
+                <a:spcPts val="500"/>
+              </a:spcBef>
+              <a:buFont typeface="Arial" panose="020B0604020202020204" pitchFamily="34" charset="0"/>
+              <a:buChar char="•"/>
+              <a:defRPr sz="1800" kern="1200">
+                <a:solidFill>
+                  <a:schemeClr val="tx1"/>
+                </a:solidFill>
+                <a:latin typeface="+mn-lt"/>
+                <a:ea typeface="+mn-ea"/>
+                <a:cs typeface="+mn-cs"/>
+              </a:defRPr>
+            </a:lvl9pPr>
+          </a:lstStyle>
+          <a:p>
+            <a:pPr>
               <a:lnSpc>
                 <a:spcPct val="150000"/>
               </a:lnSpc>
@@ -8854,25 +8906,9 @@
                   <a:srgbClr val="C00000"/>
                 </a:solidFill>
               </a:rPr>
-              <a:t>새 </a:t>
-            </a:r>
-            <a:r>
-              <a:rPr lang="ko-KR" altLang="en-US" sz="2000" b="1" dirty="0" err="1" smtClean="0">
-                <a:solidFill>
-                  <a:srgbClr val="C00000"/>
-                </a:solidFill>
-              </a:rPr>
-              <a:t>브런치</a:t>
-            </a:r>
-            <a:r>
-              <a:rPr lang="ko-KR" altLang="en-US" sz="2000" b="1" dirty="0" smtClean="0">
-                <a:solidFill>
-                  <a:srgbClr val="C00000"/>
-                </a:solidFill>
-              </a:rPr>
-              <a:t> 만들기</a:t>
-            </a:r>
-            <a:endParaRPr lang="en-US" altLang="ko-KR" sz="2000" b="1" dirty="0">
+              <a:t>깃 협업 참여  </a:t>
+            </a:r>
+            <a:endParaRPr lang="en-US" altLang="ko-KR" sz="2000" b="1" dirty="0" smtClean="0">
               <a:solidFill>
                 <a:srgbClr val="C00000"/>
               </a:solidFill>
@@ -8882,14 +8918,14 @@
       </p:sp>
       <p:sp>
         <p:nvSpPr>
-          <p:cNvPr id="2" name="TextBox 1"/>
+          <p:cNvPr id="5" name="TextBox 4"/>
           <p:cNvSpPr txBox="1"/>
           <p:nvPr/>
         </p:nvSpPr>
         <p:spPr>
           <a:xfrm>
-            <a:off x="1136577" y="1700808"/>
-            <a:ext cx="6192688" cy="369332"/>
+            <a:off x="1136576" y="1647283"/>
+            <a:ext cx="8424936" cy="369332"/>
           </a:xfrm>
           <a:prstGeom prst="rect">
             <a:avLst/>
@@ -8902,202 +8938,94 @@
           </a:bodyPr>
           <a:lstStyle/>
           <a:p>
-            <a:pPr marL="342900" indent="-342900">
-              <a:buAutoNum type="arabicPeriod"/>
-            </a:pPr>
+            <a:r>
+              <a:rPr lang="ko-KR" altLang="en-US" dirty="0" err="1" smtClean="0"/>
+              <a:t>팀계정</a:t>
+            </a:r>
             <a:r>
               <a:rPr lang="ko-KR" altLang="en-US" dirty="0" smtClean="0"/>
-              <a:t>새 </a:t>
-            </a:r>
-            <a:r>
-              <a:rPr lang="ko-KR" altLang="en-US" dirty="0" err="1" smtClean="0"/>
-              <a:t>브런치</a:t>
-            </a:r>
-            <a:r>
-              <a:rPr lang="ko-KR" altLang="en-US" dirty="0" smtClean="0"/>
-              <a:t> 만들기 </a:t>
+              <a:t> </a:t>
             </a:r>
             <a:r>
               <a:rPr lang="en-US" altLang="ko-KR" dirty="0" smtClean="0"/>
-              <a:t>- </a:t>
-            </a:r>
-            <a:r>
-              <a:rPr lang="en-US" altLang="ko-KR" b="1" dirty="0" err="1">
-                <a:solidFill>
-                  <a:srgbClr val="C00000"/>
-                </a:solidFill>
-              </a:rPr>
-              <a:t>git</a:t>
-            </a:r>
-            <a:r>
-              <a:rPr lang="en-US" altLang="ko-KR" b="1" dirty="0">
-                <a:solidFill>
-                  <a:srgbClr val="C00000"/>
-                </a:solidFill>
-              </a:rPr>
-              <a:t>  branch </a:t>
-            </a:r>
-            <a:r>
-              <a:rPr lang="ko-KR" altLang="en-US" b="1" dirty="0" err="1" smtClean="0"/>
-              <a:t>브랜치</a:t>
-            </a:r>
-            <a:r>
-              <a:rPr lang="ko-KR" altLang="en-US" b="1" dirty="0" smtClean="0"/>
-              <a:t> </a:t>
-            </a:r>
-            <a:r>
-              <a:rPr lang="ko-KR" altLang="en-US" b="1" dirty="0"/>
-              <a:t>이름</a:t>
+              <a:t>&gt; setting </a:t>
+            </a:r>
+            <a:r>
+              <a:rPr lang="en-US" altLang="ko-KR" dirty="0" smtClean="0"/>
+              <a:t>&gt; </a:t>
+            </a:r>
+            <a:r>
+              <a:rPr lang="en-US" altLang="ko-KR" dirty="0" smtClean="0"/>
+              <a:t>access </a:t>
+            </a:r>
+            <a:r>
+              <a:rPr lang="en-US" altLang="ko-KR" dirty="0" smtClean="0"/>
+              <a:t>&gt; </a:t>
+            </a:r>
+            <a:r>
+              <a:rPr lang="en-US" altLang="ko-KR" dirty="0" err="1" smtClean="0"/>
+              <a:t>collabolator</a:t>
             </a:r>
             <a:r>
               <a:rPr lang="en-US" altLang="ko-KR" dirty="0" smtClean="0"/>
               <a:t> </a:t>
             </a:r>
+            <a:r>
+              <a:rPr lang="en-US" altLang="ko-KR" dirty="0" smtClean="0"/>
+              <a:t>-&gt; </a:t>
+            </a:r>
+            <a:r>
+              <a:rPr lang="en-US" altLang="ko-KR" dirty="0" smtClean="0"/>
+              <a:t>add people</a:t>
+            </a:r>
             <a:endParaRPr lang="ko-KR" altLang="en-US" dirty="0"/>
           </a:p>
         </p:txBody>
       </p:sp>
       <p:sp>
         <p:nvSpPr>
-          <p:cNvPr id="6" name="TextBox 5"/>
-          <p:cNvSpPr txBox="1"/>
+          <p:cNvPr id="8" name="오른쪽 화살표 7"/>
+          <p:cNvSpPr/>
           <p:nvPr/>
         </p:nvSpPr>
         <p:spPr>
           <a:xfrm>
-            <a:off x="1280592" y="4813762"/>
-            <a:ext cx="8352928" cy="923330"/>
+            <a:off x="4460368" y="3645023"/>
+            <a:ext cx="288032" cy="216024"/>
           </a:xfrm>
-          <a:prstGeom prst="rect">
+          <a:prstGeom prst="rightArrow">
             <a:avLst/>
           </a:prstGeom>
-          <a:noFill/>
-          <a:ln>
-            <a:solidFill>
-              <a:schemeClr val="bg1">
-                <a:lumMod val="85000"/>
-              </a:schemeClr>
-            </a:solidFill>
-          </a:ln>
+          <a:ln w="12700"/>
         </p:spPr>
-        <p:txBody>
-          <a:bodyPr wrap="square" rtlCol="0">
-            <a:spAutoFit/>
-          </a:bodyPr>
+        <p:style>
+          <a:lnRef idx="2">
+            <a:schemeClr val="accent1">
+              <a:shade val="50000"/>
+            </a:schemeClr>
+          </a:lnRef>
+          <a:fillRef idx="1">
+            <a:schemeClr val="accent1"/>
+          </a:fillRef>
+          <a:effectRef idx="0">
+            <a:schemeClr val="accent1"/>
+          </a:effectRef>
+          <a:fontRef idx="minor">
+            <a:schemeClr val="lt1"/>
+          </a:fontRef>
+        </p:style>
+        <p:txBody>
+          <a:bodyPr rtlCol="0" anchor="ctr"/>
           <a:lstStyle/>
           <a:p>
-            <a:pPr>
-              <a:lnSpc>
-                <a:spcPct val="150000"/>
-              </a:lnSpc>
-            </a:pPr>
-            <a:r>
-              <a:rPr lang="en-US" altLang="ko-KR" dirty="0" smtClean="0"/>
-              <a:t>c</a:t>
-            </a:r>
-            <a:r>
-              <a:rPr lang="en-US" altLang="ko-KR" dirty="0"/>
-              <a:t>:\gitTest&gt;</a:t>
-            </a:r>
-            <a:r>
-              <a:rPr lang="en-US" altLang="ko-KR" b="1" dirty="0"/>
-              <a:t>git  </a:t>
-            </a:r>
-            <a:r>
-              <a:rPr lang="en-US" altLang="ko-KR" b="1" dirty="0" smtClean="0"/>
-              <a:t>remote add </a:t>
-            </a:r>
-            <a:r>
-              <a:rPr lang="en-US" altLang="ko-KR" b="1" dirty="0" err="1" smtClean="0"/>
-              <a:t>blogA</a:t>
-            </a:r>
-            <a:r>
-              <a:rPr lang="en-US" altLang="ko-KR" b="1" dirty="0" smtClean="0"/>
-              <a:t> https://github.com/sugu2100/myblog </a:t>
-            </a:r>
-          </a:p>
-          <a:p>
-            <a:pPr>
-              <a:lnSpc>
-                <a:spcPct val="150000"/>
-              </a:lnSpc>
-            </a:pPr>
-            <a:r>
-              <a:rPr lang="en-US" altLang="ko-KR" dirty="0"/>
-              <a:t>c:\gitTest&gt;</a:t>
-            </a:r>
-            <a:r>
-              <a:rPr lang="en-US" altLang="ko-KR" b="1" dirty="0"/>
-              <a:t>git </a:t>
-            </a:r>
-            <a:r>
-              <a:rPr lang="en-US" altLang="ko-KR" b="1" dirty="0" smtClean="0"/>
-              <a:t> push  </a:t>
-            </a:r>
-            <a:r>
-              <a:rPr lang="en-US" altLang="ko-KR" b="1" dirty="0" err="1" smtClean="0"/>
-              <a:t>blogA</a:t>
-            </a:r>
-            <a:r>
-              <a:rPr lang="en-US" altLang="ko-KR" b="1" dirty="0" smtClean="0"/>
-              <a:t> </a:t>
-            </a:r>
-          </a:p>
-        </p:txBody>
-      </p:sp>
-      <p:sp>
-        <p:nvSpPr>
-          <p:cNvPr id="8" name="직사각형 7"/>
-          <p:cNvSpPr/>
-          <p:nvPr/>
-        </p:nvSpPr>
-        <p:spPr>
-          <a:xfrm>
-            <a:off x="1164905" y="4221088"/>
-            <a:ext cx="5040559" cy="507831"/>
-          </a:xfrm>
-          <a:prstGeom prst="rect">
-            <a:avLst/>
-          </a:prstGeom>
-        </p:spPr>
-        <p:txBody>
-          <a:bodyPr wrap="square">
-            <a:spAutoFit/>
-          </a:bodyPr>
-          <a:lstStyle/>
-          <a:p>
-            <a:pPr>
-              <a:lnSpc>
-                <a:spcPct val="150000"/>
-              </a:lnSpc>
-            </a:pPr>
-            <a:r>
-              <a:rPr lang="en-US" altLang="ko-KR" dirty="0"/>
-              <a:t>2</a:t>
-            </a:r>
-            <a:r>
-              <a:rPr lang="en-US" altLang="ko-KR" dirty="0" smtClean="0"/>
-              <a:t>. </a:t>
-            </a:r>
-            <a:r>
-              <a:rPr lang="en-US" altLang="ko-KR" dirty="0" err="1" smtClean="0"/>
-              <a:t>blogA</a:t>
-            </a:r>
-            <a:r>
-              <a:rPr lang="en-US" altLang="ko-KR" dirty="0" smtClean="0"/>
-              <a:t> </a:t>
-            </a:r>
-            <a:r>
-              <a:rPr lang="ko-KR" altLang="en-US" dirty="0" smtClean="0"/>
-              <a:t>원격 계정에 추가하기</a:t>
-            </a:r>
-            <a:endParaRPr lang="en-US" altLang="ko-KR" dirty="0" smtClean="0"/>
+            <a:pPr algn="ctr"/>
+            <a:endParaRPr lang="ko-KR" altLang="en-US"/>
           </a:p>
         </p:txBody>
       </p:sp>
       <p:pic>
         <p:nvPicPr>
-          <p:cNvPr id="9" name="그림 8"/>
+          <p:cNvPr id="2" name="그림 1"/>
           <p:cNvPicPr>
             <a:picLocks noChangeAspect="1"/>
           </p:cNvPicPr>
@@ -9117,8 +9045,45 @@
         </p:blipFill>
         <p:spPr>
           <a:xfrm>
-            <a:off x="6897216" y="2158554"/>
-            <a:ext cx="2160240" cy="2655208"/>
+            <a:off x="1070346" y="2317464"/>
+            <a:ext cx="3162574" cy="3017782"/>
+          </a:xfrm>
+          <a:prstGeom prst="rect">
+            <a:avLst/>
+          </a:prstGeom>
+          <a:ln>
+            <a:solidFill>
+              <a:schemeClr val="bg1">
+                <a:lumMod val="85000"/>
+              </a:schemeClr>
+            </a:solidFill>
+          </a:ln>
+        </p:spPr>
+      </p:pic>
+      <p:pic>
+        <p:nvPicPr>
+          <p:cNvPr id="6" name="그림 5"/>
+          <p:cNvPicPr>
+            <a:picLocks noChangeAspect="1"/>
+          </p:cNvPicPr>
+          <p:nvPr/>
+        </p:nvPicPr>
+        <p:blipFill>
+          <a:blip r:embed="rId4">
+            <a:extLst>
+              <a:ext uri="{28A0092B-C50C-407E-A947-70E740481C1C}">
+                <a14:useLocalDpi xmlns:a14="http://schemas.microsoft.com/office/drawing/2010/main" val="0"/>
+              </a:ext>
+            </a:extLst>
+          </a:blip>
+          <a:stretch>
+            <a:fillRect/>
+          </a:stretch>
+        </p:blipFill>
+        <p:spPr>
+          <a:xfrm>
+            <a:off x="4808984" y="2708920"/>
+            <a:ext cx="4813350" cy="2016225"/>
           </a:xfrm>
           <a:prstGeom prst="rect">
             <a:avLst/>
@@ -9135,7 +9100,7 @@
     </p:spTree>
     <p:extLst>
       <p:ext uri="{BB962C8B-B14F-4D97-AF65-F5344CB8AC3E}">
-        <p14:creationId xmlns:p14="http://schemas.microsoft.com/office/powerpoint/2010/main" val="3367847639"/>
+        <p14:creationId xmlns:p14="http://schemas.microsoft.com/office/powerpoint/2010/main" val="3401243804"/>
       </p:ext>
     </p:extLst>
   </p:cSld>
@@ -9186,15 +9151,11 @@
           <a:p>
             <a:r>
               <a:rPr lang="en-US" altLang="ko-KR" dirty="0" smtClean="0"/>
-              <a:t>  </a:t>
-            </a:r>
-            <a:r>
-              <a:rPr lang="ko-KR" altLang="en-US" dirty="0" err="1" smtClean="0"/>
-              <a:t>브랜치</a:t>
-            </a:r>
-            <a:r>
-              <a:rPr lang="ko-KR" altLang="en-US" dirty="0" smtClean="0"/>
-              <a:t> 이동하기</a:t>
+              <a:t> </a:t>
+            </a:r>
+            <a:r>
+              <a:rPr lang="ko-KR" altLang="en-US" dirty="0"/>
+              <a:t>깃 협업 하기</a:t>
             </a:r>
             <a:endParaRPr lang="ko-KR" altLang="en-US" dirty="0"/>
           </a:p>
@@ -9202,87 +9163,73 @@
       </p:sp>
       <p:sp>
         <p:nvSpPr>
-          <p:cNvPr id="9" name="직사각형 8"/>
+          <p:cNvPr id="8" name="오른쪽 화살표 7"/>
           <p:cNvSpPr/>
           <p:nvPr/>
         </p:nvSpPr>
         <p:spPr>
           <a:xfrm>
-            <a:off x="1280593" y="4005064"/>
-            <a:ext cx="5040559" cy="507831"/>
+            <a:off x="4724566" y="2748280"/>
+            <a:ext cx="576064" cy="216024"/>
+          </a:xfrm>
+          <a:prstGeom prst="rightArrow">
+            <a:avLst/>
+          </a:prstGeom>
+          <a:ln w="12700"/>
+        </p:spPr>
+        <p:style>
+          <a:lnRef idx="2">
+            <a:schemeClr val="accent1">
+              <a:shade val="50000"/>
+            </a:schemeClr>
+          </a:lnRef>
+          <a:fillRef idx="1">
+            <a:schemeClr val="accent1"/>
+          </a:fillRef>
+          <a:effectRef idx="0">
+            <a:schemeClr val="accent1"/>
+          </a:effectRef>
+          <a:fontRef idx="minor">
+            <a:schemeClr val="lt1"/>
+          </a:fontRef>
+        </p:style>
+        <p:txBody>
+          <a:bodyPr rtlCol="0" anchor="ctr"/>
+          <a:lstStyle/>
+          <a:p>
+            <a:pPr algn="ctr"/>
+            <a:endParaRPr lang="ko-KR" altLang="en-US"/>
+          </a:p>
+        </p:txBody>
+      </p:sp>
+      <p:pic>
+        <p:nvPicPr>
+          <p:cNvPr id="2" name="그림 1"/>
+          <p:cNvPicPr>
+            <a:picLocks noChangeAspect="1"/>
+          </p:cNvPicPr>
+          <p:nvPr/>
+        </p:nvPicPr>
+        <p:blipFill>
+          <a:blip r:embed="rId3">
+            <a:extLst>
+              <a:ext uri="{28A0092B-C50C-407E-A947-70E740481C1C}">
+                <a14:useLocalDpi xmlns:a14="http://schemas.microsoft.com/office/drawing/2010/main" val="0"/>
+              </a:ext>
+            </a:extLst>
+          </a:blip>
+          <a:stretch>
+            <a:fillRect/>
+          </a:stretch>
+        </p:blipFill>
+        <p:spPr>
+          <a:xfrm>
+            <a:off x="848544" y="1890335"/>
+            <a:ext cx="3642267" cy="1977425"/>
           </a:xfrm>
           <a:prstGeom prst="rect">
             <a:avLst/>
           </a:prstGeom>
-        </p:spPr>
-        <p:txBody>
-          <a:bodyPr wrap="square">
-            <a:spAutoFit/>
-          </a:bodyPr>
-          <a:lstStyle/>
-          <a:p>
-            <a:pPr marL="285750" indent="-285750">
-              <a:lnSpc>
-                <a:spcPct val="150000"/>
-              </a:lnSpc>
-              <a:buFont typeface="Wingdings" panose="05000000000000000000" pitchFamily="2" charset="2"/>
-              <a:buChar char="§"/>
-            </a:pPr>
-            <a:r>
-              <a:rPr lang="ko-KR" altLang="en-US" b="1" dirty="0" smtClean="0">
-                <a:solidFill>
-                  <a:srgbClr val="C00000"/>
-                </a:solidFill>
-              </a:rPr>
-              <a:t>자료 </a:t>
-            </a:r>
-            <a:r>
-              <a:rPr lang="ko-KR" altLang="en-US" b="1" dirty="0" err="1" smtClean="0">
-                <a:solidFill>
-                  <a:srgbClr val="C00000"/>
-                </a:solidFill>
-              </a:rPr>
-              <a:t>수정후</a:t>
-            </a:r>
-            <a:r>
-              <a:rPr lang="ko-KR" altLang="en-US" b="1" dirty="0" smtClean="0">
-                <a:solidFill>
-                  <a:srgbClr val="C00000"/>
-                </a:solidFill>
-              </a:rPr>
-              <a:t> 깃에 </a:t>
-            </a:r>
-            <a:r>
-              <a:rPr lang="ko-KR" altLang="en-US" b="1" dirty="0" err="1" smtClean="0">
-                <a:solidFill>
-                  <a:srgbClr val="C00000"/>
-                </a:solidFill>
-              </a:rPr>
-              <a:t>업로드하기</a:t>
-            </a:r>
-            <a:endParaRPr lang="en-US" altLang="ko-KR" b="1" dirty="0" smtClean="0">
-              <a:solidFill>
-                <a:srgbClr val="C00000"/>
-              </a:solidFill>
-            </a:endParaRPr>
-          </a:p>
-        </p:txBody>
-      </p:sp>
-      <p:sp>
-        <p:nvSpPr>
-          <p:cNvPr id="10" name="TextBox 9"/>
-          <p:cNvSpPr txBox="1"/>
-          <p:nvPr/>
-        </p:nvSpPr>
-        <p:spPr>
-          <a:xfrm>
-            <a:off x="1496616" y="4581128"/>
-            <a:ext cx="4680519" cy="1338828"/>
-          </a:xfrm>
-          <a:prstGeom prst="rect">
-            <a:avLst/>
-          </a:prstGeom>
-          <a:noFill/>
           <a:ln>
             <a:solidFill>
               <a:schemeClr val="bg1">
@@ -9291,114 +9238,35 @@
             </a:solidFill>
           </a:ln>
         </p:spPr>
-        <p:txBody>
-          <a:bodyPr wrap="square" rtlCol="0">
-            <a:spAutoFit/>
-          </a:bodyPr>
-          <a:lstStyle/>
-          <a:p>
-            <a:pPr>
-              <a:lnSpc>
-                <a:spcPct val="150000"/>
-              </a:lnSpc>
-            </a:pPr>
-            <a:r>
-              <a:rPr lang="en-US" altLang="ko-KR" dirty="0" smtClean="0"/>
-              <a:t>c</a:t>
-            </a:r>
-            <a:r>
-              <a:rPr lang="en-US" altLang="ko-KR" dirty="0"/>
-              <a:t>:\</a:t>
-            </a:r>
-            <a:r>
-              <a:rPr lang="en-US" altLang="ko-KR" dirty="0" smtClean="0"/>
-              <a:t>gitTest&gt;</a:t>
-            </a:r>
-            <a:r>
-              <a:rPr lang="en-US" altLang="ko-KR" b="1" dirty="0" smtClean="0"/>
-              <a:t>git add *</a:t>
-            </a:r>
-          </a:p>
-          <a:p>
-            <a:pPr>
-              <a:lnSpc>
-                <a:spcPct val="150000"/>
-              </a:lnSpc>
-            </a:pPr>
-            <a:r>
-              <a:rPr lang="en-US" altLang="ko-KR" dirty="0" smtClean="0"/>
-              <a:t>C:\</a:t>
-            </a:r>
-            <a:r>
-              <a:rPr lang="en-US" altLang="ko-KR" dirty="0"/>
-              <a:t>gitTest&gt;</a:t>
-            </a:r>
-            <a:r>
-              <a:rPr lang="en-US" altLang="ko-KR" b="1" dirty="0"/>
-              <a:t>git </a:t>
-            </a:r>
-            <a:r>
-              <a:rPr lang="en-US" altLang="ko-KR" b="1" dirty="0" smtClean="0"/>
-              <a:t> commit –m “</a:t>
-            </a:r>
-            <a:r>
-              <a:rPr lang="ko-KR" altLang="en-US" b="1" dirty="0" smtClean="0"/>
-              <a:t>추가</a:t>
-            </a:r>
-            <a:r>
-              <a:rPr lang="en-US" altLang="ko-KR" b="1" dirty="0" smtClean="0"/>
-              <a:t>”</a:t>
-            </a:r>
-          </a:p>
-          <a:p>
-            <a:pPr>
-              <a:lnSpc>
-                <a:spcPct val="150000"/>
-              </a:lnSpc>
-            </a:pPr>
-            <a:r>
-              <a:rPr lang="en-US" altLang="ko-KR" dirty="0"/>
-              <a:t>C:\gitTest&gt;</a:t>
-            </a:r>
-            <a:r>
-              <a:rPr lang="en-US" altLang="ko-KR" b="1" dirty="0"/>
-              <a:t>git  </a:t>
-            </a:r>
-            <a:r>
-              <a:rPr lang="en-US" altLang="ko-KR" b="1" dirty="0" smtClean="0"/>
-              <a:t>push </a:t>
-            </a:r>
-            <a:r>
-              <a:rPr lang="en-US" altLang="ko-KR" b="1" dirty="0" err="1" smtClean="0">
-                <a:solidFill>
-                  <a:srgbClr val="FF0000"/>
-                </a:solidFill>
-              </a:rPr>
-              <a:t>blogA</a:t>
-            </a:r>
-            <a:endParaRPr lang="en-US" altLang="ko-KR" b="1" dirty="0">
-              <a:solidFill>
-                <a:srgbClr val="FF0000"/>
-              </a:solidFill>
-            </a:endParaRPr>
-          </a:p>
-        </p:txBody>
-      </p:sp>
-      <p:sp>
-        <p:nvSpPr>
-          <p:cNvPr id="7" name="TextBox 6"/>
-          <p:cNvSpPr txBox="1"/>
+      </p:pic>
+      <p:pic>
+        <p:nvPicPr>
+          <p:cNvPr id="6" name="그림 5"/>
+          <p:cNvPicPr>
+            <a:picLocks noChangeAspect="1"/>
+          </p:cNvPicPr>
           <p:nvPr/>
-        </p:nvSpPr>
+        </p:nvPicPr>
+        <p:blipFill>
+          <a:blip r:embed="rId4">
+            <a:extLst>
+              <a:ext uri="{28A0092B-C50C-407E-A947-70E740481C1C}">
+                <a14:useLocalDpi xmlns:a14="http://schemas.microsoft.com/office/drawing/2010/main" val="0"/>
+              </a:ext>
+            </a:extLst>
+          </a:blip>
+          <a:stretch>
+            <a:fillRect/>
+          </a:stretch>
+        </p:blipFill>
         <p:spPr>
           <a:xfrm>
-            <a:off x="1496616" y="2132856"/>
-            <a:ext cx="4611099" cy="1754326"/>
+            <a:off x="5457057" y="1844824"/>
+            <a:ext cx="3240360" cy="2022936"/>
           </a:xfrm>
           <a:prstGeom prst="rect">
             <a:avLst/>
           </a:prstGeom>
-          <a:noFill/>
           <a:ln>
             <a:solidFill>
               <a:schemeClr val="bg1">
@@ -9407,164 +9275,17 @@
             </a:solidFill>
           </a:ln>
         </p:spPr>
-        <p:txBody>
-          <a:bodyPr wrap="square" rtlCol="0">
-            <a:spAutoFit/>
-          </a:bodyPr>
-          <a:lstStyle/>
-          <a:p>
-            <a:pPr>
-              <a:lnSpc>
-                <a:spcPct val="150000"/>
-              </a:lnSpc>
-            </a:pPr>
-            <a:r>
-              <a:rPr lang="en-US" altLang="ko-KR" dirty="0"/>
-              <a:t>c</a:t>
-            </a:r>
-            <a:r>
-              <a:rPr lang="en-US" altLang="ko-KR" dirty="0" smtClean="0"/>
-              <a:t>:\gitTest&gt;</a:t>
-            </a:r>
-            <a:r>
-              <a:rPr lang="en-US" altLang="ko-KR" b="1" dirty="0" smtClean="0"/>
-              <a:t>git  checkout </a:t>
-            </a:r>
-            <a:r>
-              <a:rPr lang="en-US" altLang="ko-KR" b="1" dirty="0" err="1" smtClean="0"/>
-              <a:t>blogA</a:t>
-            </a:r>
-            <a:endParaRPr lang="en-US" altLang="ko-KR" b="1" dirty="0" smtClean="0"/>
-          </a:p>
-          <a:p>
-            <a:pPr>
-              <a:lnSpc>
-                <a:spcPct val="150000"/>
-              </a:lnSpc>
-            </a:pPr>
-            <a:r>
-              <a:rPr lang="en-US" altLang="ko-KR" dirty="0"/>
-              <a:t>c</a:t>
-            </a:r>
-            <a:r>
-              <a:rPr lang="en-US" altLang="ko-KR" dirty="0" smtClean="0"/>
-              <a:t>:\gitTest&gt;</a:t>
-            </a:r>
-            <a:r>
-              <a:rPr lang="en-US" altLang="ko-KR" b="1" dirty="0" smtClean="0"/>
-              <a:t>git  branch</a:t>
-            </a:r>
-          </a:p>
-          <a:p>
-            <a:pPr>
-              <a:lnSpc>
-                <a:spcPct val="150000"/>
-              </a:lnSpc>
-            </a:pPr>
-            <a:r>
-              <a:rPr lang="en-US" altLang="ko-KR" b="1" dirty="0"/>
-              <a:t> </a:t>
-            </a:r>
-            <a:r>
-              <a:rPr lang="en-US" altLang="ko-KR" b="1" dirty="0" smtClean="0"/>
-              <a:t>master</a:t>
-            </a:r>
-          </a:p>
-          <a:p>
-            <a:pPr>
-              <a:lnSpc>
-                <a:spcPct val="150000"/>
-              </a:lnSpc>
-            </a:pPr>
-            <a:r>
-              <a:rPr lang="en-US" altLang="ko-KR" b="1" dirty="0" smtClean="0">
-                <a:solidFill>
-                  <a:srgbClr val="00B050"/>
-                </a:solidFill>
-              </a:rPr>
-              <a:t>* </a:t>
-            </a:r>
-            <a:r>
-              <a:rPr lang="en-US" altLang="ko-KR" b="1" dirty="0" err="1" smtClean="0">
-                <a:solidFill>
-                  <a:srgbClr val="00B050"/>
-                </a:solidFill>
-              </a:rPr>
-              <a:t>blogA</a:t>
-            </a:r>
-            <a:r>
-              <a:rPr lang="en-US" altLang="ko-KR" b="1" dirty="0" smtClean="0">
-                <a:solidFill>
-                  <a:srgbClr val="00B050"/>
-                </a:solidFill>
-              </a:rPr>
-              <a:t>  </a:t>
-            </a:r>
-          </a:p>
-        </p:txBody>
-      </p:sp>
-      <p:sp>
-        <p:nvSpPr>
-          <p:cNvPr id="11" name="직사각형 10"/>
-          <p:cNvSpPr/>
+      </p:pic>
+      <p:sp>
+        <p:nvSpPr>
+          <p:cNvPr id="9" name="TextBox 8"/>
+          <p:cNvSpPr txBox="1"/>
           <p:nvPr/>
         </p:nvSpPr>
         <p:spPr>
           <a:xfrm>
-            <a:off x="1136576" y="1006972"/>
-            <a:ext cx="5040559" cy="507831"/>
-          </a:xfrm>
-          <a:prstGeom prst="rect">
-            <a:avLst/>
-          </a:prstGeom>
-        </p:spPr>
-        <p:txBody>
-          <a:bodyPr wrap="square">
-            <a:spAutoFit/>
-          </a:bodyPr>
-          <a:lstStyle/>
-          <a:p>
-            <a:pPr marL="285750" indent="-285750">
-              <a:lnSpc>
-                <a:spcPct val="150000"/>
-              </a:lnSpc>
-              <a:buFont typeface="Wingdings" panose="05000000000000000000" pitchFamily="2" charset="2"/>
-              <a:buChar char="§"/>
-            </a:pPr>
-            <a:r>
-              <a:rPr lang="ko-KR" altLang="en-US" b="1" dirty="0" err="1" smtClean="0">
-                <a:solidFill>
-                  <a:srgbClr val="C00000"/>
-                </a:solidFill>
-              </a:rPr>
-              <a:t>브랜치</a:t>
-            </a:r>
-            <a:r>
-              <a:rPr lang="ko-KR" altLang="en-US" b="1" dirty="0" smtClean="0">
-                <a:solidFill>
-                  <a:srgbClr val="C00000"/>
-                </a:solidFill>
-              </a:rPr>
-              <a:t> 이동하기</a:t>
-            </a:r>
-            <a:endParaRPr lang="en-US" altLang="ko-KR" b="1" dirty="0" smtClean="0">
-              <a:solidFill>
-                <a:srgbClr val="C00000"/>
-              </a:solidFill>
-            </a:endParaRPr>
-          </a:p>
-        </p:txBody>
-      </p:sp>
-      <p:sp>
-        <p:nvSpPr>
-          <p:cNvPr id="12" name="TextBox 11"/>
-          <p:cNvSpPr txBox="1"/>
-          <p:nvPr/>
-        </p:nvSpPr>
-        <p:spPr>
-          <a:xfrm>
-            <a:off x="1444350" y="1556792"/>
-            <a:ext cx="5452865" cy="369332"/>
+            <a:off x="6393161" y="4124733"/>
+            <a:ext cx="1656184" cy="338554"/>
           </a:xfrm>
           <a:prstGeom prst="rect">
             <a:avLst/>
@@ -9578,49 +9299,21 @@
           <a:lstStyle/>
           <a:p>
             <a:r>
-              <a:rPr lang="en-US" altLang="ko-KR" dirty="0" err="1" smtClean="0"/>
-              <a:t>blogA</a:t>
-            </a:r>
-            <a:r>
-              <a:rPr lang="ko-KR" altLang="en-US" dirty="0" smtClean="0"/>
-              <a:t>로 </a:t>
-            </a:r>
-            <a:r>
-              <a:rPr lang="ko-KR" altLang="en-US" dirty="0" err="1" smtClean="0"/>
-              <a:t>브런치</a:t>
-            </a:r>
-            <a:r>
-              <a:rPr lang="ko-KR" altLang="en-US" dirty="0" smtClean="0"/>
-              <a:t> 이동 </a:t>
-            </a:r>
-            <a:r>
-              <a:rPr lang="en-US" altLang="ko-KR" dirty="0" smtClean="0"/>
-              <a:t>– </a:t>
-            </a:r>
-            <a:r>
-              <a:rPr lang="en-US" altLang="ko-KR" dirty="0" err="1" smtClean="0"/>
-              <a:t>git</a:t>
-            </a:r>
-            <a:r>
-              <a:rPr lang="en-US" altLang="ko-KR" dirty="0" smtClean="0"/>
-              <a:t> checkout </a:t>
-            </a:r>
-            <a:r>
-              <a:rPr lang="ko-KR" altLang="en-US" dirty="0" err="1" smtClean="0"/>
-              <a:t>브런치</a:t>
-            </a:r>
-            <a:r>
-              <a:rPr lang="ko-KR" altLang="en-US" dirty="0" smtClean="0"/>
-              <a:t> 이름</a:t>
-            </a:r>
-            <a:endParaRPr lang="en-US" altLang="ko-KR" dirty="0" smtClean="0"/>
+              <a:rPr lang="ko-KR" altLang="en-US" sz="1600" smtClean="0"/>
+              <a:t>이메일</a:t>
+            </a:r>
+            <a:r>
+              <a:rPr lang="ko-KR" altLang="en-US" sz="1600" dirty="0" smtClean="0"/>
+              <a:t> 확인</a:t>
+            </a:r>
+            <a:endParaRPr lang="ko-KR" altLang="en-US" sz="1600" dirty="0"/>
           </a:p>
         </p:txBody>
       </p:sp>
     </p:spTree>
     <p:extLst>
       <p:ext uri="{BB962C8B-B14F-4D97-AF65-F5344CB8AC3E}">
-        <p14:creationId xmlns:p14="http://schemas.microsoft.com/office/powerpoint/2010/main" val="367982914"/>
+        <p14:creationId xmlns:p14="http://schemas.microsoft.com/office/powerpoint/2010/main" val="3256241407"/>
       </p:ext>
     </p:extLst>
   </p:cSld>
@@ -9674,13 +9367,10 @@
               <a:t> </a:t>
             </a:r>
             <a:r>
-              <a:rPr lang="en-US" altLang="ko-KR" dirty="0"/>
-              <a:t> </a:t>
-            </a:r>
-            <a:r>
               <a:rPr lang="ko-KR" altLang="en-US" dirty="0"/>
-              <a:t>깃 협업하기</a:t>
-            </a:r>
+              <a:t>깃 협업 하기</a:t>
+            </a:r>
+            <a:endParaRPr lang="ko-KR" altLang="en-US" dirty="0"/>
           </a:p>
         </p:txBody>
       </p:sp>
@@ -9689,7 +9379,7 @@
           <p:cNvPr id="13" name="내용 개체 틀 2">
             <a:extLst>
               <a:ext uri="{FF2B5EF4-FFF2-40B4-BE49-F238E27FC236}">
-                <a16:creationId xmlns="" xmlns:a16="http://schemas.microsoft.com/office/drawing/2014/main" id="{98AF3A4E-7D90-4241-89FE-799D6F9D5A94}"/>
+                <a16:creationId xmlns:a16="http://schemas.microsoft.com/office/drawing/2014/main" id="{98AF3A4E-7D90-4241-89FE-799D6F9D5A94}"/>
               </a:ext>
             </a:extLst>
           </p:cNvPr>
@@ -9701,7 +9391,7 @@
         <p:spPr>
           <a:xfrm>
             <a:off x="804065" y="1052736"/>
-            <a:ext cx="3428855" cy="504056"/>
+            <a:ext cx="5301063" cy="504056"/>
           </a:xfrm>
           <a:prstGeom prst="rect">
             <a:avLst/>
@@ -9887,7 +9577,71 @@
                   <a:srgbClr val="C00000"/>
                 </a:solidFill>
               </a:rPr>
-              <a:t>깃 협업 참여  </a:t>
+              <a:t>팀장 </a:t>
+            </a:r>
+            <a:r>
+              <a:rPr lang="en-US" altLang="ko-KR" sz="2000" b="1" dirty="0" smtClean="0">
+                <a:solidFill>
+                  <a:srgbClr val="C00000"/>
+                </a:solidFill>
+              </a:rPr>
+              <a:t>-&gt; </a:t>
+            </a:r>
+            <a:r>
+              <a:rPr lang="ko-KR" altLang="en-US" sz="2000" b="1" dirty="0" smtClean="0">
+                <a:solidFill>
+                  <a:srgbClr val="C00000"/>
+                </a:solidFill>
+              </a:rPr>
+              <a:t>팀원 </a:t>
+            </a:r>
+            <a:r>
+              <a:rPr lang="ko-KR" altLang="en-US" sz="2000" b="1" dirty="0" err="1" smtClean="0">
+                <a:solidFill>
+                  <a:srgbClr val="C00000"/>
+                </a:solidFill>
+              </a:rPr>
+              <a:t>브랜치</a:t>
+            </a:r>
+            <a:r>
+              <a:rPr lang="ko-KR" altLang="en-US" sz="2000" b="1" dirty="0" smtClean="0">
+                <a:solidFill>
+                  <a:srgbClr val="C00000"/>
+                </a:solidFill>
+              </a:rPr>
+              <a:t> 생성</a:t>
+            </a:r>
+            <a:r>
+              <a:rPr lang="en-US" altLang="ko-KR" sz="2000" b="1" dirty="0" smtClean="0">
+                <a:solidFill>
+                  <a:srgbClr val="C00000"/>
+                </a:solidFill>
+              </a:rPr>
+              <a:t>(</a:t>
+            </a:r>
+            <a:r>
+              <a:rPr lang="ko-KR" altLang="en-US" sz="2000" b="1" dirty="0" err="1" smtClean="0">
+                <a:solidFill>
+                  <a:srgbClr val="C00000"/>
+                </a:solidFill>
+              </a:rPr>
+              <a:t>깃허브에서</a:t>
+            </a:r>
+            <a:r>
+              <a:rPr lang="en-US" altLang="ko-KR" sz="2000" b="1" dirty="0" smtClean="0">
+                <a:solidFill>
+                  <a:srgbClr val="C00000"/>
+                </a:solidFill>
+              </a:rPr>
+              <a:t>)</a:t>
+            </a:r>
+            <a:r>
+              <a:rPr lang="ko-KR" altLang="en-US" sz="2000" b="1" dirty="0" smtClean="0">
+                <a:solidFill>
+                  <a:srgbClr val="C00000"/>
+                </a:solidFill>
+              </a:rPr>
+              <a:t>  </a:t>
             </a:r>
             <a:endParaRPr lang="en-US" altLang="ko-KR" sz="2000" b="1" dirty="0" smtClean="0">
               <a:solidFill>
@@ -9899,13 +9653,13 @@
       </p:sp>
       <p:pic>
         <p:nvPicPr>
-          <p:cNvPr id="4" name="그림 3"/>
+          <p:cNvPr id="7" name="그림 6"/>
           <p:cNvPicPr>
             <a:picLocks noChangeAspect="1"/>
           </p:cNvPicPr>
           <p:nvPr/>
         </p:nvPicPr>
-        <p:blipFill rotWithShape="1">
+        <p:blipFill>
           <a:blip r:embed="rId3">
             <a:extLst>
               <a:ext uri="{28A0092B-C50C-407E-A947-70E740481C1C}">
@@ -9913,13 +9667,14 @@
               </a:ext>
             </a:extLst>
           </a:blip>
-          <a:srcRect r="51437"/>
-          <a:stretch/>
+          <a:stretch>
+            <a:fillRect/>
+          </a:stretch>
         </p:blipFill>
         <p:spPr>
           <a:xfrm>
-            <a:off x="992560" y="2204864"/>
-            <a:ext cx="3935040" cy="3384376"/>
+            <a:off x="1352600" y="1801213"/>
+            <a:ext cx="4244708" cy="3314987"/>
           </a:xfrm>
           <a:prstGeom prst="rect">
             <a:avLst/>
@@ -9933,138 +9688,10 @@
           </a:ln>
         </p:spPr>
       </p:pic>
-      <p:sp>
-        <p:nvSpPr>
-          <p:cNvPr id="5" name="TextBox 4"/>
-          <p:cNvSpPr txBox="1"/>
-          <p:nvPr/>
-        </p:nvSpPr>
-        <p:spPr>
-          <a:xfrm>
-            <a:off x="1136576" y="1647283"/>
-            <a:ext cx="7344816" cy="369332"/>
-          </a:xfrm>
-          <a:prstGeom prst="rect">
-            <a:avLst/>
-          </a:prstGeom>
-          <a:noFill/>
-        </p:spPr>
-        <p:txBody>
-          <a:bodyPr wrap="square" rtlCol="0">
-            <a:spAutoFit/>
-          </a:bodyPr>
-          <a:lstStyle/>
-          <a:p>
-            <a:r>
-              <a:rPr lang="en-US" altLang="ko-KR" dirty="0"/>
-              <a:t>s</a:t>
-            </a:r>
-            <a:r>
-              <a:rPr lang="en-US" altLang="ko-KR" dirty="0" smtClean="0"/>
-              <a:t>etting &gt; Manage access &gt; invite a </a:t>
-            </a:r>
-            <a:r>
-              <a:rPr lang="en-US" altLang="ko-KR" dirty="0" err="1" smtClean="0"/>
-              <a:t>collabolator</a:t>
-            </a:r>
-            <a:r>
-              <a:rPr lang="en-US" altLang="ko-KR" dirty="0" smtClean="0"/>
-              <a:t> -&gt; </a:t>
-            </a:r>
-            <a:r>
-              <a:rPr lang="ko-KR" altLang="en-US" dirty="0" err="1" smtClean="0"/>
-              <a:t>이메일로</a:t>
-            </a:r>
-            <a:r>
-              <a:rPr lang="ko-KR" altLang="en-US" dirty="0" smtClean="0"/>
-              <a:t> 확인</a:t>
-            </a:r>
-            <a:endParaRPr lang="ko-KR" altLang="en-US" dirty="0"/>
-          </a:p>
-        </p:txBody>
-      </p:sp>
-      <p:pic>
-        <p:nvPicPr>
-          <p:cNvPr id="7" name="그림 6"/>
-          <p:cNvPicPr>
-            <a:picLocks noChangeAspect="1"/>
-          </p:cNvPicPr>
-          <p:nvPr/>
-        </p:nvPicPr>
-        <p:blipFill>
-          <a:blip r:embed="rId4">
-            <a:extLst>
-              <a:ext uri="{28A0092B-C50C-407E-A947-70E740481C1C}">
-                <a14:useLocalDpi xmlns:a14="http://schemas.microsoft.com/office/drawing/2010/main" val="0"/>
-              </a:ext>
-            </a:extLst>
-          </a:blip>
-          <a:stretch>
-            <a:fillRect/>
-          </a:stretch>
-        </p:blipFill>
-        <p:spPr>
-          <a:xfrm>
-            <a:off x="6105128" y="2312915"/>
-            <a:ext cx="2644369" cy="3177816"/>
-          </a:xfrm>
-          <a:prstGeom prst="rect">
-            <a:avLst/>
-          </a:prstGeom>
-          <a:ln>
-            <a:solidFill>
-              <a:schemeClr val="bg1">
-                <a:lumMod val="85000"/>
-              </a:schemeClr>
-            </a:solidFill>
-          </a:ln>
-        </p:spPr>
-      </p:pic>
-      <p:sp>
-        <p:nvSpPr>
-          <p:cNvPr id="8" name="오른쪽 화살표 7"/>
-          <p:cNvSpPr/>
-          <p:nvPr/>
-        </p:nvSpPr>
-        <p:spPr>
-          <a:xfrm>
-            <a:off x="5169024" y="3645024"/>
-            <a:ext cx="576064" cy="216024"/>
-          </a:xfrm>
-          <a:prstGeom prst="rightArrow">
-            <a:avLst/>
-          </a:prstGeom>
-          <a:ln w="12700"/>
-        </p:spPr>
-        <p:style>
-          <a:lnRef idx="2">
-            <a:schemeClr val="accent1">
-              <a:shade val="50000"/>
-            </a:schemeClr>
-          </a:lnRef>
-          <a:fillRef idx="1">
-            <a:schemeClr val="accent1"/>
-          </a:fillRef>
-          <a:effectRef idx="0">
-            <a:schemeClr val="accent1"/>
-          </a:effectRef>
-          <a:fontRef idx="minor">
-            <a:schemeClr val="lt1"/>
-          </a:fontRef>
-        </p:style>
-        <p:txBody>
-          <a:bodyPr rtlCol="0" anchor="ctr"/>
-          <a:lstStyle/>
-          <a:p>
-            <a:pPr algn="ctr"/>
-            <a:endParaRPr lang="ko-KR" altLang="en-US"/>
-          </a:p>
-        </p:txBody>
-      </p:sp>
     </p:spTree>
     <p:extLst>
       <p:ext uri="{BB962C8B-B14F-4D97-AF65-F5344CB8AC3E}">
-        <p14:creationId xmlns:p14="http://schemas.microsoft.com/office/powerpoint/2010/main" val="3401243804"/>
+        <p14:creationId xmlns:p14="http://schemas.microsoft.com/office/powerpoint/2010/main" val="2957096787"/>
       </p:ext>
     </p:extLst>
   </p:cSld>
@@ -10154,7 +9781,7 @@
           <p:cNvPr id="13" name="내용 개체 틀 2">
             <a:extLst>
               <a:ext uri="{FF2B5EF4-FFF2-40B4-BE49-F238E27FC236}">
-                <a16:creationId xmlns="" xmlns:a16="http://schemas.microsoft.com/office/drawing/2014/main" id="{98AF3A4E-7D90-4241-89FE-799D6F9D5A94}"/>
+                <a16:creationId xmlns:a16="http://schemas.microsoft.com/office/drawing/2014/main" id="{98AF3A4E-7D90-4241-89FE-799D6F9D5A94}"/>
               </a:ext>
             </a:extLst>
           </p:cNvPr>
@@ -10479,7 +10106,7 @@
           <p:cNvPr id="15" name="내용 개체 틀 2">
             <a:extLst>
               <a:ext uri="{FF2B5EF4-FFF2-40B4-BE49-F238E27FC236}">
-                <a16:creationId xmlns="" xmlns:a16="http://schemas.microsoft.com/office/drawing/2014/main" id="{98AF3A4E-7D90-4241-89FE-799D6F9D5A94}"/>
+                <a16:creationId xmlns:a16="http://schemas.microsoft.com/office/drawing/2014/main" id="{98AF3A4E-7D90-4241-89FE-799D6F9D5A94}"/>
               </a:ext>
             </a:extLst>
           </p:cNvPr>
@@ -10821,16 +10448,8 @@
               <a:t> </a:t>
             </a:r>
             <a:r>
-              <a:rPr lang="en-US" altLang="ko-KR" dirty="0"/>
-              <a:t> </a:t>
-            </a:r>
-            <a:r>
-              <a:rPr lang="ko-KR" altLang="en-US" dirty="0" err="1" smtClean="0"/>
-              <a:t>깃허브</a:t>
-            </a:r>
-            <a:r>
-              <a:rPr lang="en-US" altLang="ko-KR" dirty="0" smtClean="0"/>
-              <a:t>(GitHub)</a:t>
+              <a:rPr lang="ko-KR" altLang="en-US" dirty="0"/>
+              <a:t>깃 협업 하기</a:t>
             </a:r>
             <a:endParaRPr lang="ko-KR" altLang="en-US" dirty="0"/>
           </a:p>
@@ -10841,7 +10460,7 @@
           <p:cNvPr id="13" name="내용 개체 틀 2">
             <a:extLst>
               <a:ext uri="{FF2B5EF4-FFF2-40B4-BE49-F238E27FC236}">
-                <a16:creationId xmlns="" xmlns:a16="http://schemas.microsoft.com/office/drawing/2014/main" id="{98AF3A4E-7D90-4241-89FE-799D6F9D5A94}"/>
+                <a16:creationId xmlns:a16="http://schemas.microsoft.com/office/drawing/2014/main" id="{98AF3A4E-7D90-4241-89FE-799D6F9D5A94}"/>
               </a:ext>
             </a:extLst>
           </p:cNvPr>
@@ -10852,8 +10471,8 @@
         </p:nvSpPr>
         <p:spPr>
           <a:xfrm>
-            <a:off x="804065" y="1052736"/>
-            <a:ext cx="3428855" cy="504056"/>
+            <a:off x="804065" y="1196752"/>
+            <a:ext cx="7821343" cy="504056"/>
           </a:xfrm>
           <a:prstGeom prst="rect">
             <a:avLst/>
@@ -11039,7 +10658,39 @@
                   <a:srgbClr val="C00000"/>
                 </a:solidFill>
               </a:rPr>
-              <a:t>깃 협업 참여  </a:t>
+              <a:t>팀원은 자신의 </a:t>
+            </a:r>
+            <a:r>
+              <a:rPr lang="ko-KR" altLang="en-US" sz="2000" b="1" dirty="0" err="1" smtClean="0">
+                <a:solidFill>
+                  <a:srgbClr val="C00000"/>
+                </a:solidFill>
+              </a:rPr>
+              <a:t>브랜치를</a:t>
+            </a:r>
+            <a:r>
+              <a:rPr lang="ko-KR" altLang="en-US" sz="2000" b="1" dirty="0" smtClean="0">
+                <a:solidFill>
+                  <a:srgbClr val="C00000"/>
+                </a:solidFill>
+              </a:rPr>
+              <a:t> 로컬에서 생성함</a:t>
+            </a:r>
+            <a:r>
+              <a:rPr lang="en-US" altLang="ko-KR" sz="2000" b="1" dirty="0" smtClean="0">
+                <a:solidFill>
+                  <a:srgbClr val="C00000"/>
+                </a:solidFill>
+              </a:rPr>
+              <a:t>(master -&gt; member1)</a:t>
+            </a:r>
+            <a:r>
+              <a:rPr lang="ko-KR" altLang="en-US" sz="2000" b="1" dirty="0" smtClean="0">
+                <a:solidFill>
+                  <a:srgbClr val="C00000"/>
+                </a:solidFill>
+              </a:rPr>
+              <a:t>  </a:t>
             </a:r>
             <a:endParaRPr lang="en-US" altLang="ko-KR" sz="2000" b="1" dirty="0" smtClean="0">
               <a:solidFill>
@@ -11051,195 +10702,394 @@
       </p:sp>
       <p:sp>
         <p:nvSpPr>
-          <p:cNvPr id="5" name="TextBox 4"/>
-          <p:cNvSpPr txBox="1"/>
+          <p:cNvPr id="2" name="직사각형 1"/>
+          <p:cNvSpPr/>
           <p:nvPr/>
         </p:nvSpPr>
         <p:spPr>
           <a:xfrm>
-            <a:off x="1136576" y="1647283"/>
-            <a:ext cx="5472608" cy="369332"/>
+            <a:off x="1248138" y="1916832"/>
+            <a:ext cx="5721085" cy="461665"/>
           </a:xfrm>
           <a:prstGeom prst="rect">
             <a:avLst/>
           </a:prstGeom>
-          <a:noFill/>
         </p:spPr>
         <p:txBody>
-          <a:bodyPr wrap="square" rtlCol="0">
+          <a:bodyPr wrap="square">
             <a:spAutoFit/>
           </a:bodyPr>
           <a:lstStyle/>
           <a:p>
             <a:r>
-              <a:rPr lang="en-US" altLang="ko-KR" dirty="0"/>
-              <a:t>s</a:t>
-            </a:r>
-            <a:r>
-              <a:rPr lang="en-US" altLang="ko-KR" dirty="0" smtClean="0"/>
-              <a:t>etting &gt; Manage access &gt; invite a </a:t>
-            </a:r>
-            <a:r>
-              <a:rPr lang="en-US" altLang="ko-KR" dirty="0" err="1" smtClean="0"/>
-              <a:t>collabolator</a:t>
-            </a:r>
-            <a:endParaRPr lang="ko-KR" altLang="en-US" dirty="0"/>
-          </a:p>
-        </p:txBody>
-      </p:sp>
-      <p:sp>
-        <p:nvSpPr>
-          <p:cNvPr id="8" name="오른쪽 화살표 7"/>
-          <p:cNvSpPr/>
+              <a:rPr lang="ko-KR" altLang="en-US" sz="2400" b="1" dirty="0" err="1"/>
+              <a:t>git</a:t>
+            </a:r>
+            <a:r>
+              <a:rPr lang="ko-KR" altLang="en-US" sz="2400" b="1" dirty="0"/>
+              <a:t> </a:t>
+            </a:r>
+            <a:r>
+              <a:rPr lang="ko-KR" altLang="en-US" sz="2400" b="1" dirty="0" err="1"/>
+              <a:t>checkout</a:t>
+            </a:r>
+            <a:r>
+              <a:rPr lang="ko-KR" altLang="en-US" sz="2400" b="1" dirty="0"/>
+              <a:t> -</a:t>
+            </a:r>
+            <a:r>
+              <a:rPr lang="ko-KR" altLang="en-US" sz="2400" b="1" dirty="0" err="1"/>
+              <a:t>b</a:t>
+            </a:r>
+            <a:r>
+              <a:rPr lang="ko-KR" altLang="en-US" sz="2400" b="1" dirty="0"/>
+              <a:t> </a:t>
+            </a:r>
+            <a:r>
+              <a:rPr lang="en-US" altLang="ko-KR" sz="2400" b="1" dirty="0" smtClean="0"/>
+              <a:t>member1</a:t>
+            </a:r>
+            <a:endParaRPr lang="ko-KR" altLang="en-US" sz="2400" b="1" dirty="0"/>
+          </a:p>
+        </p:txBody>
+      </p:sp>
+      <p:sp>
+        <p:nvSpPr>
+          <p:cNvPr id="5" name="내용 개체 틀 2">
+            <a:extLst>
+              <a:ext uri="{FF2B5EF4-FFF2-40B4-BE49-F238E27FC236}">
+                <a16:creationId xmlns:a16="http://schemas.microsoft.com/office/drawing/2014/main" id="{98AF3A4E-7D90-4241-89FE-799D6F9D5A94}"/>
+              </a:ext>
+            </a:extLst>
+          </p:cNvPr>
+          <p:cNvSpPr txBox="1">
+            <a:spLocks/>
+          </p:cNvSpPr>
           <p:nvPr/>
         </p:nvSpPr>
         <p:spPr>
           <a:xfrm>
-            <a:off x="5156613" y="3564715"/>
-            <a:ext cx="576064" cy="216024"/>
-          </a:xfrm>
-          <a:prstGeom prst="rightArrow">
-            <a:avLst/>
-          </a:prstGeom>
-          <a:ln w="12700"/>
-        </p:spPr>
-        <p:style>
-          <a:lnRef idx="2">
-            <a:schemeClr val="accent1">
-              <a:shade val="50000"/>
-            </a:schemeClr>
-          </a:lnRef>
-          <a:fillRef idx="1">
-            <a:schemeClr val="accent1"/>
-          </a:fillRef>
-          <a:effectRef idx="0">
-            <a:schemeClr val="accent1"/>
-          </a:effectRef>
-          <a:fontRef idx="minor">
-            <a:schemeClr val="lt1"/>
-          </a:fontRef>
-        </p:style>
-        <p:txBody>
-          <a:bodyPr rtlCol="0" anchor="ctr"/>
-          <a:lstStyle/>
-          <a:p>
-            <a:pPr algn="ctr"/>
-            <a:endParaRPr lang="ko-KR" altLang="en-US"/>
-          </a:p>
-        </p:txBody>
-      </p:sp>
-      <p:pic>
-        <p:nvPicPr>
-          <p:cNvPr id="2" name="그림 1"/>
-          <p:cNvPicPr>
-            <a:picLocks noChangeAspect="1"/>
-          </p:cNvPicPr>
-          <p:nvPr/>
-        </p:nvPicPr>
-        <p:blipFill>
-          <a:blip r:embed="rId3">
-            <a:extLst>
-              <a:ext uri="{28A0092B-C50C-407E-A947-70E740481C1C}">
-                <a14:useLocalDpi xmlns:a14="http://schemas.microsoft.com/office/drawing/2010/main" val="0"/>
-              </a:ext>
-            </a:extLst>
-          </a:blip>
-          <a:stretch>
-            <a:fillRect/>
-          </a:stretch>
-        </p:blipFill>
-        <p:spPr>
-          <a:xfrm>
-            <a:off x="1280591" y="2706770"/>
-            <a:ext cx="3642267" cy="1977425"/>
+            <a:off x="804065" y="2780928"/>
+            <a:ext cx="6741223" cy="504056"/>
           </a:xfrm>
           <a:prstGeom prst="rect">
             <a:avLst/>
           </a:prstGeom>
-          <a:ln>
-            <a:solidFill>
-              <a:schemeClr val="bg1">
-                <a:lumMod val="85000"/>
-              </a:schemeClr>
-            </a:solidFill>
-          </a:ln>
         </p:spPr>
-      </p:pic>
-      <p:pic>
-        <p:nvPicPr>
-          <p:cNvPr id="6" name="그림 5"/>
-          <p:cNvPicPr>
-            <a:picLocks noChangeAspect="1"/>
-          </p:cNvPicPr>
+        <p:txBody>
+          <a:bodyPr/>
+          <a:lstStyle>
+            <a:lvl1pPr marL="228600" indent="-228600" algn="l" defTabSz="914400" rtl="0" eaLnBrk="1" latinLnBrk="1" hangingPunct="1">
+              <a:lnSpc>
+                <a:spcPct val="90000"/>
+              </a:lnSpc>
+              <a:spcBef>
+                <a:spcPts val="1000"/>
+              </a:spcBef>
+              <a:buFont typeface="Arial" panose="020B0604020202020204" pitchFamily="34" charset="0"/>
+              <a:buChar char="•"/>
+              <a:defRPr sz="2800" kern="1200">
+                <a:solidFill>
+                  <a:schemeClr val="tx1"/>
+                </a:solidFill>
+                <a:latin typeface="+mn-lt"/>
+                <a:ea typeface="+mn-ea"/>
+                <a:cs typeface="+mn-cs"/>
+              </a:defRPr>
+            </a:lvl1pPr>
+            <a:lvl2pPr marL="685800" indent="-228600" algn="l" defTabSz="914400" rtl="0" eaLnBrk="1" latinLnBrk="1" hangingPunct="1">
+              <a:lnSpc>
+                <a:spcPct val="90000"/>
+              </a:lnSpc>
+              <a:spcBef>
+                <a:spcPts val="500"/>
+              </a:spcBef>
+              <a:buFont typeface="Arial" panose="020B0604020202020204" pitchFamily="34" charset="0"/>
+              <a:buChar char="•"/>
+              <a:defRPr sz="2400" kern="1200">
+                <a:solidFill>
+                  <a:schemeClr val="tx1"/>
+                </a:solidFill>
+                <a:latin typeface="+mn-lt"/>
+                <a:ea typeface="+mn-ea"/>
+                <a:cs typeface="+mn-cs"/>
+              </a:defRPr>
+            </a:lvl2pPr>
+            <a:lvl3pPr marL="1143000" indent="-228600" algn="l" defTabSz="914400" rtl="0" eaLnBrk="1" latinLnBrk="1" hangingPunct="1">
+              <a:lnSpc>
+                <a:spcPct val="90000"/>
+              </a:lnSpc>
+              <a:spcBef>
+                <a:spcPts val="500"/>
+              </a:spcBef>
+              <a:buFont typeface="Arial" panose="020B0604020202020204" pitchFamily="34" charset="0"/>
+              <a:buChar char="•"/>
+              <a:defRPr sz="2000" kern="1200">
+                <a:solidFill>
+                  <a:schemeClr val="tx1"/>
+                </a:solidFill>
+                <a:latin typeface="+mn-lt"/>
+                <a:ea typeface="+mn-ea"/>
+                <a:cs typeface="+mn-cs"/>
+              </a:defRPr>
+            </a:lvl3pPr>
+            <a:lvl4pPr marL="1600200" indent="-228600" algn="l" defTabSz="914400" rtl="0" eaLnBrk="1" latinLnBrk="1" hangingPunct="1">
+              <a:lnSpc>
+                <a:spcPct val="90000"/>
+              </a:lnSpc>
+              <a:spcBef>
+                <a:spcPts val="500"/>
+              </a:spcBef>
+              <a:buFont typeface="Arial" panose="020B0604020202020204" pitchFamily="34" charset="0"/>
+              <a:buChar char="•"/>
+              <a:defRPr sz="1800" kern="1200">
+                <a:solidFill>
+                  <a:schemeClr val="tx1"/>
+                </a:solidFill>
+                <a:latin typeface="+mn-lt"/>
+                <a:ea typeface="+mn-ea"/>
+                <a:cs typeface="+mn-cs"/>
+              </a:defRPr>
+            </a:lvl4pPr>
+            <a:lvl5pPr marL="2057400" indent="-228600" algn="l" defTabSz="914400" rtl="0" eaLnBrk="1" latinLnBrk="1" hangingPunct="1">
+              <a:lnSpc>
+                <a:spcPct val="90000"/>
+              </a:lnSpc>
+              <a:spcBef>
+                <a:spcPts val="500"/>
+              </a:spcBef>
+              <a:buFont typeface="Arial" panose="020B0604020202020204" pitchFamily="34" charset="0"/>
+              <a:buChar char="•"/>
+              <a:defRPr sz="1800" kern="1200">
+                <a:solidFill>
+                  <a:schemeClr val="tx1"/>
+                </a:solidFill>
+                <a:latin typeface="+mn-lt"/>
+                <a:ea typeface="+mn-ea"/>
+                <a:cs typeface="+mn-cs"/>
+              </a:defRPr>
+            </a:lvl5pPr>
+            <a:lvl6pPr marL="2514600" indent="-228600" algn="l" defTabSz="914400" rtl="0" eaLnBrk="1" latinLnBrk="1" hangingPunct="1">
+              <a:lnSpc>
+                <a:spcPct val="90000"/>
+              </a:lnSpc>
+              <a:spcBef>
+                <a:spcPts val="500"/>
+              </a:spcBef>
+              <a:buFont typeface="Arial" panose="020B0604020202020204" pitchFamily="34" charset="0"/>
+              <a:buChar char="•"/>
+              <a:defRPr sz="1800" kern="1200">
+                <a:solidFill>
+                  <a:schemeClr val="tx1"/>
+                </a:solidFill>
+                <a:latin typeface="+mn-lt"/>
+                <a:ea typeface="+mn-ea"/>
+                <a:cs typeface="+mn-cs"/>
+              </a:defRPr>
+            </a:lvl6pPr>
+            <a:lvl7pPr marL="2971800" indent="-228600" algn="l" defTabSz="914400" rtl="0" eaLnBrk="1" latinLnBrk="1" hangingPunct="1">
+              <a:lnSpc>
+                <a:spcPct val="90000"/>
+              </a:lnSpc>
+              <a:spcBef>
+                <a:spcPts val="500"/>
+              </a:spcBef>
+              <a:buFont typeface="Arial" panose="020B0604020202020204" pitchFamily="34" charset="0"/>
+              <a:buChar char="•"/>
+              <a:defRPr sz="1800" kern="1200">
+                <a:solidFill>
+                  <a:schemeClr val="tx1"/>
+                </a:solidFill>
+                <a:latin typeface="+mn-lt"/>
+                <a:ea typeface="+mn-ea"/>
+                <a:cs typeface="+mn-cs"/>
+              </a:defRPr>
+            </a:lvl7pPr>
+            <a:lvl8pPr marL="3429000" indent="-228600" algn="l" defTabSz="914400" rtl="0" eaLnBrk="1" latinLnBrk="1" hangingPunct="1">
+              <a:lnSpc>
+                <a:spcPct val="90000"/>
+              </a:lnSpc>
+              <a:spcBef>
+                <a:spcPts val="500"/>
+              </a:spcBef>
+              <a:buFont typeface="Arial" panose="020B0604020202020204" pitchFamily="34" charset="0"/>
+              <a:buChar char="•"/>
+              <a:defRPr sz="1800" kern="1200">
+                <a:solidFill>
+                  <a:schemeClr val="tx1"/>
+                </a:solidFill>
+                <a:latin typeface="+mn-lt"/>
+                <a:ea typeface="+mn-ea"/>
+                <a:cs typeface="+mn-cs"/>
+              </a:defRPr>
+            </a:lvl8pPr>
+            <a:lvl9pPr marL="3886200" indent="-228600" algn="l" defTabSz="914400" rtl="0" eaLnBrk="1" latinLnBrk="1" hangingPunct="1">
+              <a:lnSpc>
+                <a:spcPct val="90000"/>
+              </a:lnSpc>
+              <a:spcBef>
+                <a:spcPts val="500"/>
+              </a:spcBef>
+              <a:buFont typeface="Arial" panose="020B0604020202020204" pitchFamily="34" charset="0"/>
+              <a:buChar char="•"/>
+              <a:defRPr sz="1800" kern="1200">
+                <a:solidFill>
+                  <a:schemeClr val="tx1"/>
+                </a:solidFill>
+                <a:latin typeface="+mn-lt"/>
+                <a:ea typeface="+mn-ea"/>
+                <a:cs typeface="+mn-cs"/>
+              </a:defRPr>
+            </a:lvl9pPr>
+          </a:lstStyle>
+          <a:p>
+            <a:pPr>
+              <a:lnSpc>
+                <a:spcPct val="150000"/>
+              </a:lnSpc>
+              <a:buFont typeface="Wingdings" panose="05000000000000000000" pitchFamily="2" charset="2"/>
+              <a:buChar char="§"/>
+            </a:pPr>
+            <a:r>
+              <a:rPr lang="ko-KR" altLang="en-US" sz="2000" b="1" dirty="0" smtClean="0">
+                <a:solidFill>
+                  <a:srgbClr val="C00000"/>
+                </a:solidFill>
+              </a:rPr>
+              <a:t>깃에 업로드  </a:t>
+            </a:r>
+            <a:endParaRPr lang="en-US" altLang="ko-KR" sz="2000" b="1" dirty="0" smtClean="0">
+              <a:solidFill>
+                <a:srgbClr val="C00000"/>
+              </a:solidFill>
+            </a:endParaRPr>
+          </a:p>
+        </p:txBody>
+      </p:sp>
+      <p:sp>
+        <p:nvSpPr>
+          <p:cNvPr id="4" name="직사각형 3"/>
+          <p:cNvSpPr/>
           <p:nvPr/>
-        </p:nvPicPr>
-        <p:blipFill>
-          <a:blip r:embed="rId4">
-            <a:extLst>
-              <a:ext uri="{28A0092B-C50C-407E-A947-70E740481C1C}">
-                <a14:useLocalDpi xmlns:a14="http://schemas.microsoft.com/office/drawing/2010/main" val="0"/>
-              </a:ext>
-            </a:extLst>
-          </a:blip>
-          <a:stretch>
-            <a:fillRect/>
-          </a:stretch>
-        </p:blipFill>
+        </p:nvSpPr>
         <p:spPr>
           <a:xfrm>
-            <a:off x="5889104" y="2661259"/>
-            <a:ext cx="3240360" cy="2022936"/>
+            <a:off x="1248139" y="3284984"/>
+            <a:ext cx="4953000" cy="1815882"/>
           </a:xfrm>
           <a:prstGeom prst="rect">
             <a:avLst/>
           </a:prstGeom>
-          <a:ln>
-            <a:solidFill>
-              <a:schemeClr val="bg1">
-                <a:lumMod val="85000"/>
-              </a:schemeClr>
-            </a:solidFill>
-          </a:ln>
         </p:spPr>
-      </p:pic>
-      <p:sp>
-        <p:nvSpPr>
-          <p:cNvPr id="9" name="TextBox 8"/>
-          <p:cNvSpPr txBox="1"/>
-          <p:nvPr/>
-        </p:nvSpPr>
-        <p:spPr>
-          <a:xfrm>
-            <a:off x="6825208" y="4941168"/>
-            <a:ext cx="1656184" cy="338554"/>
-          </a:xfrm>
-          <a:prstGeom prst="rect">
-            <a:avLst/>
-          </a:prstGeom>
-          <a:noFill/>
-        </p:spPr>
-        <p:txBody>
-          <a:bodyPr wrap="square" rtlCol="0">
+        <p:txBody>
+          <a:bodyPr>
             <a:spAutoFit/>
           </a:bodyPr>
           <a:lstStyle/>
           <a:p>
-            <a:r>
-              <a:rPr lang="ko-KR" altLang="en-US" sz="1600" smtClean="0"/>
-              <a:t>이메일</a:t>
-            </a:r>
-            <a:r>
-              <a:rPr lang="ko-KR" altLang="en-US" sz="1600" dirty="0" smtClean="0"/>
-              <a:t> 확인</a:t>
-            </a:r>
-            <a:endParaRPr lang="ko-KR" altLang="en-US" sz="1600" dirty="0"/>
+            <a:pPr>
+              <a:lnSpc>
+                <a:spcPct val="200000"/>
+              </a:lnSpc>
+            </a:pPr>
+            <a:r>
+              <a:rPr lang="ko-KR" altLang="en-US" b="1" dirty="0" err="1"/>
+              <a:t>git</a:t>
+            </a:r>
+            <a:r>
+              <a:rPr lang="ko-KR" altLang="en-US" b="1" dirty="0"/>
+              <a:t> </a:t>
+            </a:r>
+            <a:r>
+              <a:rPr lang="ko-KR" altLang="en-US" b="1" dirty="0" err="1"/>
+              <a:t>add</a:t>
+            </a:r>
+            <a:r>
+              <a:rPr lang="ko-KR" altLang="en-US" b="1" dirty="0"/>
+              <a:t> .</a:t>
+            </a:r>
+          </a:p>
+          <a:p>
+            <a:pPr>
+              <a:lnSpc>
+                <a:spcPct val="200000"/>
+              </a:lnSpc>
+            </a:pPr>
+            <a:r>
+              <a:rPr lang="ko-KR" altLang="en-US" b="1" dirty="0" err="1"/>
+              <a:t>git</a:t>
+            </a:r>
+            <a:r>
+              <a:rPr lang="ko-KR" altLang="en-US" b="1" dirty="0"/>
+              <a:t> </a:t>
+            </a:r>
+            <a:r>
+              <a:rPr lang="ko-KR" altLang="en-US" b="1" dirty="0" err="1"/>
+              <a:t>commit</a:t>
+            </a:r>
+            <a:r>
+              <a:rPr lang="ko-KR" altLang="en-US" b="1" dirty="0"/>
+              <a:t> -</a:t>
+            </a:r>
+            <a:r>
+              <a:rPr lang="ko-KR" altLang="en-US" b="1" dirty="0" err="1"/>
+              <a:t>m</a:t>
+            </a:r>
+            <a:r>
+              <a:rPr lang="ko-KR" altLang="en-US" b="1" dirty="0"/>
+              <a:t> "</a:t>
+            </a:r>
+            <a:r>
+              <a:rPr lang="ko-KR" altLang="en-US" b="1" dirty="0" err="1"/>
+              <a:t>up</a:t>
+            </a:r>
+            <a:r>
+              <a:rPr lang="ko-KR" altLang="en-US" b="1" dirty="0"/>
+              <a:t>"</a:t>
+            </a:r>
+          </a:p>
+          <a:p>
+            <a:pPr>
+              <a:lnSpc>
+                <a:spcPct val="200000"/>
+              </a:lnSpc>
+            </a:pPr>
+            <a:r>
+              <a:rPr lang="ko-KR" altLang="en-US" sz="2000" b="1" dirty="0" err="1"/>
+              <a:t>git</a:t>
+            </a:r>
+            <a:r>
+              <a:rPr lang="ko-KR" altLang="en-US" sz="2000" b="1" dirty="0"/>
+              <a:t> </a:t>
+            </a:r>
+            <a:r>
+              <a:rPr lang="ko-KR" altLang="en-US" sz="2000" b="1" dirty="0" err="1"/>
+              <a:t>push</a:t>
+            </a:r>
+            <a:r>
+              <a:rPr lang="ko-KR" altLang="en-US" sz="2000" b="1" dirty="0"/>
+              <a:t> </a:t>
+            </a:r>
+            <a:r>
+              <a:rPr lang="ko-KR" altLang="en-US" sz="2000" b="1" dirty="0" err="1"/>
+              <a:t>origin</a:t>
+            </a:r>
+            <a:r>
+              <a:rPr lang="ko-KR" altLang="en-US" sz="2000" b="1" dirty="0"/>
+              <a:t> </a:t>
+            </a:r>
+            <a:r>
+              <a:rPr lang="en-US" altLang="ko-KR" sz="2000" b="1" dirty="0" smtClean="0"/>
+              <a:t>member1</a:t>
+            </a:r>
+            <a:endParaRPr lang="ko-KR" altLang="en-US" sz="2000" b="1" dirty="0"/>
           </a:p>
         </p:txBody>
       </p:sp>
     </p:spTree>
     <p:extLst>
       <p:ext uri="{BB962C8B-B14F-4D97-AF65-F5344CB8AC3E}">
-        <p14:creationId xmlns:p14="http://schemas.microsoft.com/office/powerpoint/2010/main" val="3256241407"/>
+        <p14:creationId xmlns:p14="http://schemas.microsoft.com/office/powerpoint/2010/main" val="3416499117"/>
       </p:ext>
     </p:extLst>
   </p:cSld>
@@ -11309,7 +11159,7 @@
           <p:cNvPr id="13" name="내용 개체 틀 2">
             <a:extLst>
               <a:ext uri="{FF2B5EF4-FFF2-40B4-BE49-F238E27FC236}">
-                <a16:creationId xmlns="" xmlns:a16="http://schemas.microsoft.com/office/drawing/2014/main" id="{98AF3A4E-7D90-4241-89FE-799D6F9D5A94}"/>
+                <a16:creationId xmlns:a16="http://schemas.microsoft.com/office/drawing/2014/main" id="{98AF3A4E-7D90-4241-89FE-799D6F9D5A94}"/>
               </a:ext>
             </a:extLst>
           </p:cNvPr>
@@ -11664,7 +11514,7 @@
           <p:cNvPr id="15" name="내용 개체 틀 2">
             <a:extLst>
               <a:ext uri="{FF2B5EF4-FFF2-40B4-BE49-F238E27FC236}">
-                <a16:creationId xmlns="" xmlns:a16="http://schemas.microsoft.com/office/drawing/2014/main" id="{98AF3A4E-7D90-4241-89FE-799D6F9D5A94}"/>
+                <a16:creationId xmlns:a16="http://schemas.microsoft.com/office/drawing/2014/main" id="{98AF3A4E-7D90-4241-89FE-799D6F9D5A94}"/>
               </a:ext>
             </a:extLst>
           </p:cNvPr>
@@ -11977,7 +11827,7 @@
           <p:cNvPr id="13" name="내용 개체 틀 2">
             <a:extLst>
               <a:ext uri="{FF2B5EF4-FFF2-40B4-BE49-F238E27FC236}">
-                <a16:creationId xmlns="" xmlns:a16="http://schemas.microsoft.com/office/drawing/2014/main" id="{98AF3A4E-7D90-4241-89FE-799D6F9D5A94}"/>
+                <a16:creationId xmlns:a16="http://schemas.microsoft.com/office/drawing/2014/main" id="{98AF3A4E-7D90-4241-89FE-799D6F9D5A94}"/>
               </a:ext>
             </a:extLst>
           </p:cNvPr>
@@ -12433,7 +12283,7 @@
           <p:cNvPr id="13" name="내용 개체 틀 2">
             <a:extLst>
               <a:ext uri="{FF2B5EF4-FFF2-40B4-BE49-F238E27FC236}">
-                <a16:creationId xmlns="" xmlns:a16="http://schemas.microsoft.com/office/drawing/2014/main" id="{98AF3A4E-7D90-4241-89FE-799D6F9D5A94}"/>
+                <a16:creationId xmlns:a16="http://schemas.microsoft.com/office/drawing/2014/main" id="{98AF3A4E-7D90-4241-89FE-799D6F9D5A94}"/>
               </a:ext>
             </a:extLst>
           </p:cNvPr>
@@ -12654,7 +12504,7 @@
           <p:cNvPr id="18" name="TextBox 17">
             <a:extLst>
               <a:ext uri="{FF2B5EF4-FFF2-40B4-BE49-F238E27FC236}">
-                <a16:creationId xmlns="" xmlns:a16="http://schemas.microsoft.com/office/drawing/2014/main" id="{D46DD618-61E0-4F40-B204-242CFAF546A3}"/>
+                <a16:creationId xmlns:a16="http://schemas.microsoft.com/office/drawing/2014/main" id="{D46DD618-61E0-4F40-B204-242CFAF546A3}"/>
               </a:ext>
             </a:extLst>
           </p:cNvPr>
@@ -12883,7 +12733,7 @@
           <p:cNvPr id="13" name="내용 개체 틀 2">
             <a:extLst>
               <a:ext uri="{FF2B5EF4-FFF2-40B4-BE49-F238E27FC236}">
-                <a16:creationId xmlns="" xmlns:a16="http://schemas.microsoft.com/office/drawing/2014/main" id="{98AF3A4E-7D90-4241-89FE-799D6F9D5A94}"/>
+                <a16:creationId xmlns:a16="http://schemas.microsoft.com/office/drawing/2014/main" id="{98AF3A4E-7D90-4241-89FE-799D6F9D5A94}"/>
               </a:ext>
             </a:extLst>
           </p:cNvPr>
@@ -13128,7 +12978,7 @@
           <p:cNvPr id="19" name="TextBox 18">
             <a:extLst>
               <a:ext uri="{FF2B5EF4-FFF2-40B4-BE49-F238E27FC236}">
-                <a16:creationId xmlns="" xmlns:a16="http://schemas.microsoft.com/office/drawing/2014/main" id="{D46DD618-61E0-4F40-B204-242CFAF546A3}"/>
+                <a16:creationId xmlns:a16="http://schemas.microsoft.com/office/drawing/2014/main" id="{D46DD618-61E0-4F40-B204-242CFAF546A3}"/>
               </a:ext>
             </a:extLst>
           </p:cNvPr>
@@ -13209,7 +13059,7 @@
           <p:cNvPr id="20" name="TextBox 19">
             <a:extLst>
               <a:ext uri="{FF2B5EF4-FFF2-40B4-BE49-F238E27FC236}">
-                <a16:creationId xmlns="" xmlns:a16="http://schemas.microsoft.com/office/drawing/2014/main" id="{A51F743E-9E23-49EA-803E-E3F5A0CA8B5B}"/>
+                <a16:creationId xmlns:a16="http://schemas.microsoft.com/office/drawing/2014/main" id="{A51F743E-9E23-49EA-803E-E3F5A0CA8B5B}"/>
               </a:ext>
             </a:extLst>
           </p:cNvPr>
@@ -13384,7 +13234,7 @@
           <p:cNvPr id="13" name="내용 개체 틀 2">
             <a:extLst>
               <a:ext uri="{FF2B5EF4-FFF2-40B4-BE49-F238E27FC236}">
-                <a16:creationId xmlns="" xmlns:a16="http://schemas.microsoft.com/office/drawing/2014/main" id="{98AF3A4E-7D90-4241-89FE-799D6F9D5A94}"/>
+                <a16:creationId xmlns:a16="http://schemas.microsoft.com/office/drawing/2014/main" id="{98AF3A4E-7D90-4241-89FE-799D6F9D5A94}"/>
               </a:ext>
             </a:extLst>
           </p:cNvPr>
@@ -13947,7 +13797,7 @@
           <p:cNvPr id="13" name="내용 개체 틀 2">
             <a:extLst>
               <a:ext uri="{FF2B5EF4-FFF2-40B4-BE49-F238E27FC236}">
-                <a16:creationId xmlns="" xmlns:a16="http://schemas.microsoft.com/office/drawing/2014/main" id="{98AF3A4E-7D90-4241-89FE-799D6F9D5A94}"/>
+                <a16:creationId xmlns:a16="http://schemas.microsoft.com/office/drawing/2014/main" id="{98AF3A4E-7D90-4241-89FE-799D6F9D5A94}"/>
               </a:ext>
             </a:extLst>
           </p:cNvPr>
@@ -14800,7 +14650,7 @@
           <p:cNvPr id="13" name="내용 개체 틀 2">
             <a:extLst>
               <a:ext uri="{FF2B5EF4-FFF2-40B4-BE49-F238E27FC236}">
-                <a16:creationId xmlns="" xmlns:a16="http://schemas.microsoft.com/office/drawing/2014/main" id="{98AF3A4E-7D90-4241-89FE-799D6F9D5A94}"/>
+                <a16:creationId xmlns:a16="http://schemas.microsoft.com/office/drawing/2014/main" id="{98AF3A4E-7D90-4241-89FE-799D6F9D5A94}"/>
               </a:ext>
             </a:extLst>
           </p:cNvPr>
@@ -15121,19 +14971,11 @@
             </a:r>
             <a:r>
               <a:rPr lang="en-US" altLang="ko-KR" b="1" dirty="0" smtClean="0"/>
-              <a:t> add  </a:t>
-            </a:r>
-            <a:r>
-              <a:rPr lang="en-US" altLang="ko-KR" b="1" dirty="0" smtClean="0"/>
-              <a:t>. (</a:t>
+              <a:t> add  . (</a:t>
             </a:r>
             <a:r>
               <a:rPr lang="ko-KR" altLang="en-US" b="1" dirty="0" smtClean="0"/>
-              <a:t>모든 파일</a:t>
-            </a:r>
-            <a:r>
-              <a:rPr lang="ko-KR" altLang="en-US" b="1" dirty="0" smtClean="0"/>
-              <a:t> </a:t>
+              <a:t>모든 파일 </a:t>
             </a:r>
             <a:r>
               <a:rPr lang="en-US" altLang="ko-KR" b="1" dirty="0" smtClean="0"/>
@@ -15401,7 +15243,7 @@
           <p:cNvPr id="13" name="내용 개체 틀 2">
             <a:extLst>
               <a:ext uri="{FF2B5EF4-FFF2-40B4-BE49-F238E27FC236}">
-                <a16:creationId xmlns="" xmlns:a16="http://schemas.microsoft.com/office/drawing/2014/main" id="{98AF3A4E-7D90-4241-89FE-799D6F9D5A94}"/>
+                <a16:creationId xmlns:a16="http://schemas.microsoft.com/office/drawing/2014/main" id="{98AF3A4E-7D90-4241-89FE-799D6F9D5A94}"/>
               </a:ext>
             </a:extLst>
           </p:cNvPr>
